--- a/2018-02-01.pptx
+++ b/2018-02-01.pptx
@@ -5,7 +5,7 @@
     <p:sldMasterId id="2147483659" r:id="rId1"/>
   </p:sldMasterIdLst>
   <p:notesMasterIdLst>
-    <p:notesMasterId r:id="rId32"/>
+    <p:notesMasterId r:id="rId35"/>
   </p:notesMasterIdLst>
   <p:sldIdLst>
     <p:sldId id="256" r:id="rId2"/>
@@ -17,37 +17,40 @@
     <p:sldId id="262" r:id="rId8"/>
     <p:sldId id="263" r:id="rId9"/>
     <p:sldId id="264" r:id="rId10"/>
-    <p:sldId id="265" r:id="rId11"/>
-    <p:sldId id="266" r:id="rId12"/>
-    <p:sldId id="267" r:id="rId13"/>
-    <p:sldId id="268" r:id="rId14"/>
-    <p:sldId id="269" r:id="rId15"/>
-    <p:sldId id="270" r:id="rId16"/>
-    <p:sldId id="271" r:id="rId17"/>
-    <p:sldId id="272" r:id="rId18"/>
-    <p:sldId id="273" r:id="rId19"/>
-    <p:sldId id="274" r:id="rId20"/>
-    <p:sldId id="275" r:id="rId21"/>
-    <p:sldId id="276" r:id="rId22"/>
-    <p:sldId id="277" r:id="rId23"/>
-    <p:sldId id="278" r:id="rId24"/>
-    <p:sldId id="279" r:id="rId25"/>
-    <p:sldId id="280" r:id="rId26"/>
-    <p:sldId id="281" r:id="rId27"/>
-    <p:sldId id="282" r:id="rId28"/>
-    <p:sldId id="283" r:id="rId29"/>
-    <p:sldId id="284" r:id="rId30"/>
-    <p:sldId id="285" r:id="rId31"/>
+    <p:sldId id="266" r:id="rId11"/>
+    <p:sldId id="267" r:id="rId12"/>
+    <p:sldId id="268" r:id="rId13"/>
+    <p:sldId id="269" r:id="rId14"/>
+    <p:sldId id="270" r:id="rId15"/>
+    <p:sldId id="271" r:id="rId16"/>
+    <p:sldId id="272" r:id="rId17"/>
+    <p:sldId id="273" r:id="rId18"/>
+    <p:sldId id="274" r:id="rId19"/>
+    <p:sldId id="275" r:id="rId20"/>
+    <p:sldId id="276" r:id="rId21"/>
+    <p:sldId id="277" r:id="rId22"/>
+    <p:sldId id="278" r:id="rId23"/>
+    <p:sldId id="279" r:id="rId24"/>
+    <p:sldId id="280" r:id="rId25"/>
+    <p:sldId id="281" r:id="rId26"/>
+    <p:sldId id="282" r:id="rId27"/>
+    <p:sldId id="283" r:id="rId28"/>
+    <p:sldId id="284" r:id="rId29"/>
+    <p:sldId id="285" r:id="rId30"/>
+    <p:sldId id="265" r:id="rId31"/>
+    <p:sldId id="286" r:id="rId32"/>
+    <p:sldId id="287" r:id="rId33"/>
+    <p:sldId id="288" r:id="rId34"/>
   </p:sldIdLst>
   <p:sldSz cx="9144000" cy="5143500" type="screen16x9"/>
   <p:notesSz cx="6858000" cy="9144000"/>
   <p:embeddedFontLst>
     <p:embeddedFont>
       <p:font typeface="Roboto" panose="020B0604020202020204" charset="0"/>
-      <p:regular r:id="rId33"/>
-      <p:bold r:id="rId34"/>
-      <p:italic r:id="rId35"/>
-      <p:boldItalic r:id="rId36"/>
+      <p:regular r:id="rId36"/>
+      <p:bold r:id="rId37"/>
+      <p:italic r:id="rId38"/>
+      <p:boldItalic r:id="rId39"/>
     </p:embeddedFont>
   </p:embeddedFontLst>
   <p:defaultTextStyle>
@@ -462,7 +465,7 @@
     </p:spTree>
     <p:extLst>
       <p:ext uri="{BB962C8B-B14F-4D97-AF65-F5344CB8AC3E}">
-        <p14:creationId xmlns:p14="http://schemas.microsoft.com/office/powerpoint/2010/main" val="2268721310"/>
+        <p14:creationId xmlns:p14="http://schemas.microsoft.com/office/powerpoint/2010/main" val="4143274461"/>
       </p:ext>
     </p:extLst>
   </p:cSld>
@@ -591,8 +594,8 @@
         </p:nvSpPr>
         <p:spPr>
           <a:xfrm>
-            <a:off x="381000" y="685800"/>
-            <a:ext cx="6096000" cy="3429000"/>
+            <a:off x="381300" y="685800"/>
+            <a:ext cx="6096075" cy="3429000"/>
           </a:xfrm>
           <a:custGeom>
             <a:avLst/>
@@ -671,110 +674,6 @@
   <p:cSld>
     <p:spTree>
       <p:nvGrpSpPr>
-        <p:cNvPr id="1" name="Shape 135"/>
-        <p:cNvGrpSpPr/>
-        <p:nvPr/>
-      </p:nvGrpSpPr>
-      <p:grpSpPr>
-        <a:xfrm>
-          <a:off x="0" y="0"/>
-          <a:ext cx="0" cy="0"/>
-          <a:chOff x="0" y="0"/>
-          <a:chExt cx="0" cy="0"/>
-        </a:xfrm>
-      </p:grpSpPr>
-      <p:sp>
-        <p:nvSpPr>
-          <p:cNvPr id="136" name="Shape 136"/>
-          <p:cNvSpPr>
-            <a:spLocks noGrp="1" noRot="1" noChangeAspect="1"/>
-          </p:cNvSpPr>
-          <p:nvPr>
-            <p:ph type="sldImg" idx="2"/>
-          </p:nvPr>
-        </p:nvSpPr>
-        <p:spPr>
-          <a:xfrm>
-            <a:off x="381000" y="685800"/>
-            <a:ext cx="6096000" cy="3429000"/>
-          </a:xfrm>
-          <a:custGeom>
-            <a:avLst/>
-            <a:gdLst/>
-            <a:ahLst/>
-            <a:cxnLst/>
-            <a:rect l="0" t="0" r="0" b="0"/>
-            <a:pathLst>
-              <a:path w="120000" h="120000" extrusionOk="0">
-                <a:moveTo>
-                  <a:pt x="0" y="0"/>
-                </a:moveTo>
-                <a:lnTo>
-                  <a:pt x="120000" y="0"/>
-                </a:lnTo>
-                <a:lnTo>
-                  <a:pt x="120000" y="120000"/>
-                </a:lnTo>
-                <a:lnTo>
-                  <a:pt x="0" y="120000"/>
-                </a:lnTo>
-                <a:close/>
-              </a:path>
-            </a:pathLst>
-          </a:custGeom>
-        </p:spPr>
-      </p:sp>
-      <p:sp>
-        <p:nvSpPr>
-          <p:cNvPr id="137" name="Shape 137"/>
-          <p:cNvSpPr txBox="1">
-            <a:spLocks noGrp="1"/>
-          </p:cNvSpPr>
-          <p:nvPr>
-            <p:ph type="body" idx="1"/>
-          </p:nvPr>
-        </p:nvSpPr>
-        <p:spPr>
-          <a:xfrm>
-            <a:off x="685800" y="4343400"/>
-            <a:ext cx="5486400" cy="4114800"/>
-          </a:xfrm>
-          <a:prstGeom prst="rect">
-            <a:avLst/>
-          </a:prstGeom>
-        </p:spPr>
-        <p:txBody>
-          <a:bodyPr spcFirstLastPara="1" wrap="square" lIns="91425" tIns="91425" rIns="91425" bIns="91425" anchor="t" anchorCtr="0">
-            <a:noAutofit/>
-          </a:bodyPr>
-          <a:lstStyle/>
-          <a:p>
-            <a:pPr marL="0" lvl="0" indent="0" rtl="0">
-              <a:spcBef>
-                <a:spcPts val="0"/>
-              </a:spcBef>
-              <a:spcAft>
-                <a:spcPts val="0"/>
-              </a:spcAft>
-              <a:buNone/>
-            </a:pPr>
-            <a:endParaRPr/>
-          </a:p>
-        </p:txBody>
-      </p:sp>
-    </p:spTree>
-  </p:cSld>
-  <p:clrMapOvr>
-    <a:masterClrMapping/>
-  </p:clrMapOvr>
-</p:notes>
-</file>
-
-<file path=ppt/notesSlides/notesSlide11.xml><?xml version="1.0" encoding="utf-8"?>
-<p:notes xmlns:a="http://schemas.openxmlformats.org/drawingml/2006/main" xmlns:r="http://schemas.openxmlformats.org/officeDocument/2006/relationships" xmlns:p="http://schemas.openxmlformats.org/presentationml/2006/main" showMasterSp="0" showMasterPhAnim="0">
-  <p:cSld>
-    <p:spTree>
-      <p:nvGrpSpPr>
         <p:cNvPr id="1" name="Shape 141"/>
         <p:cNvGrpSpPr/>
         <p:nvPr/>
@@ -799,7 +698,7 @@
         </p:nvSpPr>
         <p:spPr>
           <a:xfrm>
-            <a:off x="381000" y="685800"/>
+            <a:off x="381300" y="685800"/>
             <a:ext cx="6096000" cy="3429000"/>
           </a:xfrm>
           <a:custGeom>
@@ -874,7 +773,7 @@
 </p:notes>
 </file>
 
-<file path=ppt/notesSlides/notesSlide12.xml><?xml version="1.0" encoding="utf-8"?>
+<file path=ppt/notesSlides/notesSlide11.xml><?xml version="1.0" encoding="utf-8"?>
 <p:notes xmlns:a="http://schemas.openxmlformats.org/drawingml/2006/main" xmlns:r="http://schemas.openxmlformats.org/officeDocument/2006/relationships" xmlns:p="http://schemas.openxmlformats.org/presentationml/2006/main" showMasterSp="0" showMasterPhAnim="0">
   <p:cSld>
     <p:spTree>
@@ -903,7 +802,7 @@
         </p:nvSpPr>
         <p:spPr>
           <a:xfrm>
-            <a:off x="381000" y="685800"/>
+            <a:off x="381300" y="685800"/>
             <a:ext cx="6096000" cy="3429000"/>
           </a:xfrm>
           <a:custGeom>
@@ -978,7 +877,7 @@
 </p:notes>
 </file>
 
-<file path=ppt/notesSlides/notesSlide13.xml><?xml version="1.0" encoding="utf-8"?>
+<file path=ppt/notesSlides/notesSlide12.xml><?xml version="1.0" encoding="utf-8"?>
 <p:notes xmlns:a="http://schemas.openxmlformats.org/drawingml/2006/main" xmlns:r="http://schemas.openxmlformats.org/officeDocument/2006/relationships" xmlns:p="http://schemas.openxmlformats.org/presentationml/2006/main" showMasterSp="0" showMasterPhAnim="0">
   <p:cSld>
     <p:spTree>
@@ -1007,7 +906,7 @@
         </p:nvSpPr>
         <p:spPr>
           <a:xfrm>
-            <a:off x="381000" y="685800"/>
+            <a:off x="381300" y="685800"/>
             <a:ext cx="6096000" cy="3429000"/>
           </a:xfrm>
           <a:custGeom>
@@ -1082,7 +981,7 @@
 </p:notes>
 </file>
 
-<file path=ppt/notesSlides/notesSlide14.xml><?xml version="1.0" encoding="utf-8"?>
+<file path=ppt/notesSlides/notesSlide13.xml><?xml version="1.0" encoding="utf-8"?>
 <p:notes xmlns:a="http://schemas.openxmlformats.org/drawingml/2006/main" xmlns:r="http://schemas.openxmlformats.org/officeDocument/2006/relationships" xmlns:p="http://schemas.openxmlformats.org/presentationml/2006/main" showMasterSp="0" showMasterPhAnim="0">
   <p:cSld>
     <p:spTree>
@@ -1111,7 +1010,7 @@
         </p:nvSpPr>
         <p:spPr>
           <a:xfrm>
-            <a:off x="381000" y="685800"/>
+            <a:off x="381300" y="685800"/>
             <a:ext cx="6096000" cy="3429000"/>
           </a:xfrm>
           <a:custGeom>
@@ -1186,7 +1085,7 @@
 </p:notes>
 </file>
 
-<file path=ppt/notesSlides/notesSlide15.xml><?xml version="1.0" encoding="utf-8"?>
+<file path=ppt/notesSlides/notesSlide14.xml><?xml version="1.0" encoding="utf-8"?>
 <p:notes xmlns:a="http://schemas.openxmlformats.org/drawingml/2006/main" xmlns:r="http://schemas.openxmlformats.org/officeDocument/2006/relationships" xmlns:p="http://schemas.openxmlformats.org/presentationml/2006/main" showMasterSp="0" showMasterPhAnim="0">
   <p:cSld>
     <p:spTree>
@@ -1215,7 +1114,7 @@
         </p:nvSpPr>
         <p:spPr>
           <a:xfrm>
-            <a:off x="381000" y="685800"/>
+            <a:off x="381300" y="685800"/>
             <a:ext cx="6096000" cy="3429000"/>
           </a:xfrm>
           <a:custGeom>
@@ -1290,7 +1189,7 @@
 </p:notes>
 </file>
 
-<file path=ppt/notesSlides/notesSlide16.xml><?xml version="1.0" encoding="utf-8"?>
+<file path=ppt/notesSlides/notesSlide15.xml><?xml version="1.0" encoding="utf-8"?>
 <p:notes xmlns:a="http://schemas.openxmlformats.org/drawingml/2006/main" xmlns:r="http://schemas.openxmlformats.org/officeDocument/2006/relationships" xmlns:p="http://schemas.openxmlformats.org/presentationml/2006/main" showMasterSp="0" showMasterPhAnim="0">
   <p:cSld>
     <p:spTree>
@@ -1319,7 +1218,7 @@
         </p:nvSpPr>
         <p:spPr>
           <a:xfrm>
-            <a:off x="381000" y="685800"/>
+            <a:off x="381300" y="685800"/>
             <a:ext cx="6096000" cy="3429000"/>
           </a:xfrm>
           <a:custGeom>
@@ -1394,7 +1293,7 @@
 </p:notes>
 </file>
 
-<file path=ppt/notesSlides/notesSlide17.xml><?xml version="1.0" encoding="utf-8"?>
+<file path=ppt/notesSlides/notesSlide16.xml><?xml version="1.0" encoding="utf-8"?>
 <p:notes xmlns:a="http://schemas.openxmlformats.org/drawingml/2006/main" xmlns:r="http://schemas.openxmlformats.org/officeDocument/2006/relationships" xmlns:p="http://schemas.openxmlformats.org/presentationml/2006/main" showMasterSp="0" showMasterPhAnim="0">
   <p:cSld>
     <p:spTree>
@@ -1423,7 +1322,7 @@
         </p:nvSpPr>
         <p:spPr>
           <a:xfrm>
-            <a:off x="381000" y="685800"/>
+            <a:off x="381300" y="685800"/>
             <a:ext cx="6096000" cy="3429000"/>
           </a:xfrm>
           <a:custGeom>
@@ -1498,7 +1397,7 @@
 </p:notes>
 </file>
 
-<file path=ppt/notesSlides/notesSlide18.xml><?xml version="1.0" encoding="utf-8"?>
+<file path=ppt/notesSlides/notesSlide17.xml><?xml version="1.0" encoding="utf-8"?>
 <p:notes xmlns:a="http://schemas.openxmlformats.org/drawingml/2006/main" xmlns:r="http://schemas.openxmlformats.org/officeDocument/2006/relationships" xmlns:p="http://schemas.openxmlformats.org/presentationml/2006/main" showMasterSp="0" showMasterPhAnim="0">
   <p:cSld>
     <p:spTree>
@@ -1527,7 +1426,7 @@
         </p:nvSpPr>
         <p:spPr>
           <a:xfrm>
-            <a:off x="381000" y="685800"/>
+            <a:off x="381300" y="685800"/>
             <a:ext cx="6096000" cy="3429000"/>
           </a:xfrm>
           <a:custGeom>
@@ -1602,7 +1501,7 @@
 </p:notes>
 </file>
 
-<file path=ppt/notesSlides/notesSlide19.xml><?xml version="1.0" encoding="utf-8"?>
+<file path=ppt/notesSlides/notesSlide18.xml><?xml version="1.0" encoding="utf-8"?>
 <p:notes xmlns:a="http://schemas.openxmlformats.org/drawingml/2006/main" xmlns:r="http://schemas.openxmlformats.org/officeDocument/2006/relationships" xmlns:p="http://schemas.openxmlformats.org/presentationml/2006/main" showMasterSp="0" showMasterPhAnim="0">
   <p:cSld>
     <p:spTree>
@@ -1631,7 +1530,7 @@
         </p:nvSpPr>
         <p:spPr>
           <a:xfrm>
-            <a:off x="381000" y="685800"/>
+            <a:off x="381300" y="685800"/>
             <a:ext cx="6096000" cy="3429000"/>
           </a:xfrm>
           <a:custGeom>
@@ -1663,6 +1562,110 @@
       <p:sp>
         <p:nvSpPr>
           <p:cNvPr id="191" name="Shape 191"/>
+          <p:cNvSpPr txBox="1">
+            <a:spLocks noGrp="1"/>
+          </p:cNvSpPr>
+          <p:nvPr>
+            <p:ph type="body" idx="1"/>
+          </p:nvPr>
+        </p:nvSpPr>
+        <p:spPr>
+          <a:xfrm>
+            <a:off x="685800" y="4343400"/>
+            <a:ext cx="5486400" cy="4114800"/>
+          </a:xfrm>
+          <a:prstGeom prst="rect">
+            <a:avLst/>
+          </a:prstGeom>
+        </p:spPr>
+        <p:txBody>
+          <a:bodyPr spcFirstLastPara="1" wrap="square" lIns="91425" tIns="91425" rIns="91425" bIns="91425" anchor="t" anchorCtr="0">
+            <a:noAutofit/>
+          </a:bodyPr>
+          <a:lstStyle/>
+          <a:p>
+            <a:pPr marL="0" lvl="0" indent="0" rtl="0">
+              <a:spcBef>
+                <a:spcPts val="0"/>
+              </a:spcBef>
+              <a:spcAft>
+                <a:spcPts val="0"/>
+              </a:spcAft>
+              <a:buNone/>
+            </a:pPr>
+            <a:endParaRPr/>
+          </a:p>
+        </p:txBody>
+      </p:sp>
+    </p:spTree>
+  </p:cSld>
+  <p:clrMapOvr>
+    <a:masterClrMapping/>
+  </p:clrMapOvr>
+</p:notes>
+</file>
+
+<file path=ppt/notesSlides/notesSlide19.xml><?xml version="1.0" encoding="utf-8"?>
+<p:notes xmlns:a="http://schemas.openxmlformats.org/drawingml/2006/main" xmlns:r="http://schemas.openxmlformats.org/officeDocument/2006/relationships" xmlns:p="http://schemas.openxmlformats.org/presentationml/2006/main" showMasterSp="0" showMasterPhAnim="0">
+  <p:cSld>
+    <p:spTree>
+      <p:nvGrpSpPr>
+        <p:cNvPr id="1" name="Shape 195"/>
+        <p:cNvGrpSpPr/>
+        <p:nvPr/>
+      </p:nvGrpSpPr>
+      <p:grpSpPr>
+        <a:xfrm>
+          <a:off x="0" y="0"/>
+          <a:ext cx="0" cy="0"/>
+          <a:chOff x="0" y="0"/>
+          <a:chExt cx="0" cy="0"/>
+        </a:xfrm>
+      </p:grpSpPr>
+      <p:sp>
+        <p:nvSpPr>
+          <p:cNvPr id="196" name="Shape 196"/>
+          <p:cNvSpPr>
+            <a:spLocks noGrp="1" noRot="1" noChangeAspect="1"/>
+          </p:cNvSpPr>
+          <p:nvPr>
+            <p:ph type="sldImg" idx="2"/>
+          </p:nvPr>
+        </p:nvSpPr>
+        <p:spPr>
+          <a:xfrm>
+            <a:off x="381000" y="685800"/>
+            <a:ext cx="6096000" cy="3429000"/>
+          </a:xfrm>
+          <a:custGeom>
+            <a:avLst/>
+            <a:gdLst/>
+            <a:ahLst/>
+            <a:cxnLst/>
+            <a:rect l="0" t="0" r="0" b="0"/>
+            <a:pathLst>
+              <a:path w="120000" h="120000" extrusionOk="0">
+                <a:moveTo>
+                  <a:pt x="0" y="0"/>
+                </a:moveTo>
+                <a:lnTo>
+                  <a:pt x="120000" y="0"/>
+                </a:lnTo>
+                <a:lnTo>
+                  <a:pt x="120000" y="120000"/>
+                </a:lnTo>
+                <a:lnTo>
+                  <a:pt x="0" y="120000"/>
+                </a:lnTo>
+                <a:close/>
+              </a:path>
+            </a:pathLst>
+          </a:custGeom>
+        </p:spPr>
+      </p:sp>
+      <p:sp>
+        <p:nvSpPr>
+          <p:cNvPr id="197" name="Shape 197"/>
           <p:cNvSpPr txBox="1">
             <a:spLocks noGrp="1"/>
           </p:cNvSpPr>
@@ -1735,7 +1738,7 @@
         </p:nvSpPr>
         <p:spPr>
           <a:xfrm>
-            <a:off x="381000" y="685800"/>
+            <a:off x="381300" y="685800"/>
             <a:ext cx="6096000" cy="3429000"/>
           </a:xfrm>
           <a:custGeom>
@@ -1815,110 +1818,6 @@
   <p:cSld>
     <p:spTree>
       <p:nvGrpSpPr>
-        <p:cNvPr id="1" name="Shape 195"/>
-        <p:cNvGrpSpPr/>
-        <p:nvPr/>
-      </p:nvGrpSpPr>
-      <p:grpSpPr>
-        <a:xfrm>
-          <a:off x="0" y="0"/>
-          <a:ext cx="0" cy="0"/>
-          <a:chOff x="0" y="0"/>
-          <a:chExt cx="0" cy="0"/>
-        </a:xfrm>
-      </p:grpSpPr>
-      <p:sp>
-        <p:nvSpPr>
-          <p:cNvPr id="196" name="Shape 196"/>
-          <p:cNvSpPr>
-            <a:spLocks noGrp="1" noRot="1" noChangeAspect="1"/>
-          </p:cNvSpPr>
-          <p:nvPr>
-            <p:ph type="sldImg" idx="2"/>
-          </p:nvPr>
-        </p:nvSpPr>
-        <p:spPr>
-          <a:xfrm>
-            <a:off x="381000" y="685800"/>
-            <a:ext cx="6096000" cy="3429000"/>
-          </a:xfrm>
-          <a:custGeom>
-            <a:avLst/>
-            <a:gdLst/>
-            <a:ahLst/>
-            <a:cxnLst/>
-            <a:rect l="0" t="0" r="0" b="0"/>
-            <a:pathLst>
-              <a:path w="120000" h="120000" extrusionOk="0">
-                <a:moveTo>
-                  <a:pt x="0" y="0"/>
-                </a:moveTo>
-                <a:lnTo>
-                  <a:pt x="120000" y="0"/>
-                </a:lnTo>
-                <a:lnTo>
-                  <a:pt x="120000" y="120000"/>
-                </a:lnTo>
-                <a:lnTo>
-                  <a:pt x="0" y="120000"/>
-                </a:lnTo>
-                <a:close/>
-              </a:path>
-            </a:pathLst>
-          </a:custGeom>
-        </p:spPr>
-      </p:sp>
-      <p:sp>
-        <p:nvSpPr>
-          <p:cNvPr id="197" name="Shape 197"/>
-          <p:cNvSpPr txBox="1">
-            <a:spLocks noGrp="1"/>
-          </p:cNvSpPr>
-          <p:nvPr>
-            <p:ph type="body" idx="1"/>
-          </p:nvPr>
-        </p:nvSpPr>
-        <p:spPr>
-          <a:xfrm>
-            <a:off x="685800" y="4343400"/>
-            <a:ext cx="5486400" cy="4114800"/>
-          </a:xfrm>
-          <a:prstGeom prst="rect">
-            <a:avLst/>
-          </a:prstGeom>
-        </p:spPr>
-        <p:txBody>
-          <a:bodyPr spcFirstLastPara="1" wrap="square" lIns="91425" tIns="91425" rIns="91425" bIns="91425" anchor="t" anchorCtr="0">
-            <a:noAutofit/>
-          </a:bodyPr>
-          <a:lstStyle/>
-          <a:p>
-            <a:pPr marL="0" lvl="0" indent="0" rtl="0">
-              <a:spcBef>
-                <a:spcPts val="0"/>
-              </a:spcBef>
-              <a:spcAft>
-                <a:spcPts val="0"/>
-              </a:spcAft>
-              <a:buNone/>
-            </a:pPr>
-            <a:endParaRPr/>
-          </a:p>
-        </p:txBody>
-      </p:sp>
-    </p:spTree>
-  </p:cSld>
-  <p:clrMapOvr>
-    <a:masterClrMapping/>
-  </p:clrMapOvr>
-</p:notes>
-</file>
-
-<file path=ppt/notesSlides/notesSlide21.xml><?xml version="1.0" encoding="utf-8"?>
-<p:notes xmlns:a="http://schemas.openxmlformats.org/drawingml/2006/main" xmlns:r="http://schemas.openxmlformats.org/officeDocument/2006/relationships" xmlns:p="http://schemas.openxmlformats.org/presentationml/2006/main" showMasterSp="0" showMasterPhAnim="0">
-  <p:cSld>
-    <p:spTree>
-      <p:nvGrpSpPr>
         <p:cNvPr id="1" name="Shape 201"/>
         <p:cNvGrpSpPr/>
         <p:nvPr/>
@@ -1943,7 +1842,7 @@
         </p:nvSpPr>
         <p:spPr>
           <a:xfrm>
-            <a:off x="381000" y="685800"/>
+            <a:off x="381300" y="685800"/>
             <a:ext cx="6096000" cy="3429000"/>
           </a:xfrm>
           <a:custGeom>
@@ -2018,7 +1917,7 @@
 </p:notes>
 </file>
 
-<file path=ppt/notesSlides/notesSlide22.xml><?xml version="1.0" encoding="utf-8"?>
+<file path=ppt/notesSlides/notesSlide21.xml><?xml version="1.0" encoding="utf-8"?>
 <p:notes xmlns:a="http://schemas.openxmlformats.org/drawingml/2006/main" xmlns:r="http://schemas.openxmlformats.org/officeDocument/2006/relationships" xmlns:p="http://schemas.openxmlformats.org/presentationml/2006/main" showMasterSp="0" showMasterPhAnim="0">
   <p:cSld>
     <p:spTree>
@@ -2047,7 +1946,7 @@
         </p:nvSpPr>
         <p:spPr>
           <a:xfrm>
-            <a:off x="381000" y="685800"/>
+            <a:off x="381300" y="685800"/>
             <a:ext cx="6096000" cy="3429000"/>
           </a:xfrm>
           <a:custGeom>
@@ -2122,7 +2021,7 @@
 </p:notes>
 </file>
 
-<file path=ppt/notesSlides/notesSlide23.xml><?xml version="1.0" encoding="utf-8"?>
+<file path=ppt/notesSlides/notesSlide22.xml><?xml version="1.0" encoding="utf-8"?>
 <p:notes xmlns:a="http://schemas.openxmlformats.org/drawingml/2006/main" xmlns:r="http://schemas.openxmlformats.org/officeDocument/2006/relationships" xmlns:p="http://schemas.openxmlformats.org/presentationml/2006/main" showMasterSp="0" showMasterPhAnim="0">
   <p:cSld>
     <p:spTree>
@@ -2151,7 +2050,7 @@
         </p:nvSpPr>
         <p:spPr>
           <a:xfrm>
-            <a:off x="381000" y="685800"/>
+            <a:off x="381300" y="685800"/>
             <a:ext cx="6096000" cy="3429000"/>
           </a:xfrm>
           <a:custGeom>
@@ -2226,7 +2125,7 @@
 </p:notes>
 </file>
 
-<file path=ppt/notesSlides/notesSlide24.xml><?xml version="1.0" encoding="utf-8"?>
+<file path=ppt/notesSlides/notesSlide23.xml><?xml version="1.0" encoding="utf-8"?>
 <p:notes xmlns:a="http://schemas.openxmlformats.org/drawingml/2006/main" xmlns:r="http://schemas.openxmlformats.org/officeDocument/2006/relationships" xmlns:p="http://schemas.openxmlformats.org/presentationml/2006/main" showMasterSp="0" showMasterPhAnim="0">
   <p:cSld>
     <p:spTree>
@@ -2255,7 +2154,7 @@
         </p:nvSpPr>
         <p:spPr>
           <a:xfrm>
-            <a:off x="381000" y="685800"/>
+            <a:off x="381300" y="685800"/>
             <a:ext cx="6096000" cy="3429000"/>
           </a:xfrm>
           <a:custGeom>
@@ -2330,7 +2229,7 @@
 </p:notes>
 </file>
 
-<file path=ppt/notesSlides/notesSlide25.xml><?xml version="1.0" encoding="utf-8"?>
+<file path=ppt/notesSlides/notesSlide24.xml><?xml version="1.0" encoding="utf-8"?>
 <p:notes xmlns:a="http://schemas.openxmlformats.org/drawingml/2006/main" xmlns:r="http://schemas.openxmlformats.org/officeDocument/2006/relationships" xmlns:p="http://schemas.openxmlformats.org/presentationml/2006/main" showMasterSp="0" showMasterPhAnim="0">
   <p:cSld>
     <p:spTree>
@@ -2359,7 +2258,7 @@
         </p:nvSpPr>
         <p:spPr>
           <a:xfrm>
-            <a:off x="381000" y="685800"/>
+            <a:off x="381300" y="685800"/>
             <a:ext cx="6096000" cy="3429000"/>
           </a:xfrm>
           <a:custGeom>
@@ -2434,7 +2333,7 @@
 </p:notes>
 </file>
 
-<file path=ppt/notesSlides/notesSlide26.xml><?xml version="1.0" encoding="utf-8"?>
+<file path=ppt/notesSlides/notesSlide25.xml><?xml version="1.0" encoding="utf-8"?>
 <p:notes xmlns:a="http://schemas.openxmlformats.org/drawingml/2006/main" xmlns:r="http://schemas.openxmlformats.org/officeDocument/2006/relationships" xmlns:p="http://schemas.openxmlformats.org/presentationml/2006/main" showMasterSp="0" showMasterPhAnim="0">
   <p:cSld>
     <p:spTree>
@@ -2463,7 +2362,7 @@
         </p:nvSpPr>
         <p:spPr>
           <a:xfrm>
-            <a:off x="381000" y="685800"/>
+            <a:off x="381300" y="685800"/>
             <a:ext cx="6096000" cy="3429000"/>
           </a:xfrm>
           <a:custGeom>
@@ -2538,7 +2437,7 @@
 </p:notes>
 </file>
 
-<file path=ppt/notesSlides/notesSlide27.xml><?xml version="1.0" encoding="utf-8"?>
+<file path=ppt/notesSlides/notesSlide26.xml><?xml version="1.0" encoding="utf-8"?>
 <p:notes xmlns:a="http://schemas.openxmlformats.org/drawingml/2006/main" xmlns:r="http://schemas.openxmlformats.org/officeDocument/2006/relationships" xmlns:p="http://schemas.openxmlformats.org/presentationml/2006/main" showMasterSp="0" showMasterPhAnim="0">
   <p:cSld>
     <p:spTree>
@@ -2567,7 +2466,7 @@
         </p:nvSpPr>
         <p:spPr>
           <a:xfrm>
-            <a:off x="381000" y="685800"/>
+            <a:off x="381300" y="685800"/>
             <a:ext cx="6096000" cy="3429000"/>
           </a:xfrm>
           <a:custGeom>
@@ -2642,7 +2541,7 @@
 </p:notes>
 </file>
 
-<file path=ppt/notesSlides/notesSlide28.xml><?xml version="1.0" encoding="utf-8"?>
+<file path=ppt/notesSlides/notesSlide27.xml><?xml version="1.0" encoding="utf-8"?>
 <p:notes xmlns:a="http://schemas.openxmlformats.org/drawingml/2006/main" xmlns:r="http://schemas.openxmlformats.org/officeDocument/2006/relationships" xmlns:p="http://schemas.openxmlformats.org/presentationml/2006/main" showMasterSp="0" showMasterPhAnim="0">
   <p:cSld>
     <p:spTree>
@@ -2671,7 +2570,7 @@
         </p:nvSpPr>
         <p:spPr>
           <a:xfrm>
-            <a:off x="381000" y="685800"/>
+            <a:off x="381300" y="685800"/>
             <a:ext cx="6096000" cy="3429000"/>
           </a:xfrm>
           <a:custGeom>
@@ -2746,7 +2645,7 @@
 </p:notes>
 </file>
 
-<file path=ppt/notesSlides/notesSlide29.xml><?xml version="1.0" encoding="utf-8"?>
+<file path=ppt/notesSlides/notesSlide28.xml><?xml version="1.0" encoding="utf-8"?>
 <p:notes xmlns:a="http://schemas.openxmlformats.org/drawingml/2006/main" xmlns:r="http://schemas.openxmlformats.org/officeDocument/2006/relationships" xmlns:p="http://schemas.openxmlformats.org/presentationml/2006/main" showMasterSp="0" showMasterPhAnim="0">
   <p:cSld>
     <p:spTree>
@@ -2775,7 +2674,7 @@
         </p:nvSpPr>
         <p:spPr>
           <a:xfrm>
-            <a:off x="381000" y="685800"/>
+            <a:off x="381300" y="685800"/>
             <a:ext cx="6096000" cy="3429000"/>
           </a:xfrm>
           <a:custGeom>
@@ -2807,6 +2706,110 @@
       <p:sp>
         <p:nvSpPr>
           <p:cNvPr id="251" name="Shape 251"/>
+          <p:cNvSpPr txBox="1">
+            <a:spLocks noGrp="1"/>
+          </p:cNvSpPr>
+          <p:nvPr>
+            <p:ph type="body" idx="1"/>
+          </p:nvPr>
+        </p:nvSpPr>
+        <p:spPr>
+          <a:xfrm>
+            <a:off x="685800" y="4343400"/>
+            <a:ext cx="5486400" cy="4114800"/>
+          </a:xfrm>
+          <a:prstGeom prst="rect">
+            <a:avLst/>
+          </a:prstGeom>
+        </p:spPr>
+        <p:txBody>
+          <a:bodyPr spcFirstLastPara="1" wrap="square" lIns="91425" tIns="91425" rIns="91425" bIns="91425" anchor="t" anchorCtr="0">
+            <a:noAutofit/>
+          </a:bodyPr>
+          <a:lstStyle/>
+          <a:p>
+            <a:pPr marL="0" lvl="0" indent="0" rtl="0">
+              <a:spcBef>
+                <a:spcPts val="0"/>
+              </a:spcBef>
+              <a:spcAft>
+                <a:spcPts val="0"/>
+              </a:spcAft>
+              <a:buNone/>
+            </a:pPr>
+            <a:endParaRPr/>
+          </a:p>
+        </p:txBody>
+      </p:sp>
+    </p:spTree>
+  </p:cSld>
+  <p:clrMapOvr>
+    <a:masterClrMapping/>
+  </p:clrMapOvr>
+</p:notes>
+</file>
+
+<file path=ppt/notesSlides/notesSlide29.xml><?xml version="1.0" encoding="utf-8"?>
+<p:notes xmlns:a="http://schemas.openxmlformats.org/drawingml/2006/main" xmlns:r="http://schemas.openxmlformats.org/officeDocument/2006/relationships" xmlns:p="http://schemas.openxmlformats.org/presentationml/2006/main" showMasterSp="0" showMasterPhAnim="0">
+  <p:cSld>
+    <p:spTree>
+      <p:nvGrpSpPr>
+        <p:cNvPr id="1" name="Shape 255"/>
+        <p:cNvGrpSpPr/>
+        <p:nvPr/>
+      </p:nvGrpSpPr>
+      <p:grpSpPr>
+        <a:xfrm>
+          <a:off x="0" y="0"/>
+          <a:ext cx="0" cy="0"/>
+          <a:chOff x="0" y="0"/>
+          <a:chExt cx="0" cy="0"/>
+        </a:xfrm>
+      </p:grpSpPr>
+      <p:sp>
+        <p:nvSpPr>
+          <p:cNvPr id="256" name="Shape 256"/>
+          <p:cNvSpPr>
+            <a:spLocks noGrp="1" noRot="1" noChangeAspect="1"/>
+          </p:cNvSpPr>
+          <p:nvPr>
+            <p:ph type="sldImg" idx="2"/>
+          </p:nvPr>
+        </p:nvSpPr>
+        <p:spPr>
+          <a:xfrm>
+            <a:off x="381300" y="685800"/>
+            <a:ext cx="6096000" cy="3429000"/>
+          </a:xfrm>
+          <a:custGeom>
+            <a:avLst/>
+            <a:gdLst/>
+            <a:ahLst/>
+            <a:cxnLst/>
+            <a:rect l="0" t="0" r="0" b="0"/>
+            <a:pathLst>
+              <a:path w="120000" h="120000" extrusionOk="0">
+                <a:moveTo>
+                  <a:pt x="0" y="0"/>
+                </a:moveTo>
+                <a:lnTo>
+                  <a:pt x="120000" y="0"/>
+                </a:lnTo>
+                <a:lnTo>
+                  <a:pt x="120000" y="120000"/>
+                </a:lnTo>
+                <a:lnTo>
+                  <a:pt x="0" y="120000"/>
+                </a:lnTo>
+                <a:close/>
+              </a:path>
+            </a:pathLst>
+          </a:custGeom>
+        </p:spPr>
+      </p:sp>
+      <p:sp>
+        <p:nvSpPr>
+          <p:cNvPr id="257" name="Shape 257"/>
           <p:cNvSpPr txBox="1">
             <a:spLocks noGrp="1"/>
           </p:cNvSpPr>
@@ -2879,7 +2882,7 @@
         </p:nvSpPr>
         <p:spPr>
           <a:xfrm>
-            <a:off x="381000" y="685800"/>
+            <a:off x="381300" y="685800"/>
             <a:ext cx="6096000" cy="3429000"/>
           </a:xfrm>
           <a:custGeom>
@@ -2959,7 +2962,7 @@
   <p:cSld>
     <p:spTree>
       <p:nvGrpSpPr>
-        <p:cNvPr id="1" name="Shape 255"/>
+        <p:cNvPr id="1" name="Shape 135"/>
         <p:cNvGrpSpPr/>
         <p:nvPr/>
       </p:nvGrpSpPr>
@@ -2973,7 +2976,7 @@
       </p:grpSpPr>
       <p:sp>
         <p:nvSpPr>
-          <p:cNvPr id="256" name="Shape 256"/>
+          <p:cNvPr id="136" name="Shape 136"/>
           <p:cNvSpPr>
             <a:spLocks noGrp="1" noRot="1" noChangeAspect="1"/>
           </p:cNvSpPr>
@@ -3014,7 +3017,319 @@
       </p:sp>
       <p:sp>
         <p:nvSpPr>
-          <p:cNvPr id="257" name="Shape 257"/>
+          <p:cNvPr id="137" name="Shape 137"/>
+          <p:cNvSpPr txBox="1">
+            <a:spLocks noGrp="1"/>
+          </p:cNvSpPr>
+          <p:nvPr>
+            <p:ph type="body" idx="1"/>
+          </p:nvPr>
+        </p:nvSpPr>
+        <p:spPr>
+          <a:xfrm>
+            <a:off x="685800" y="4343400"/>
+            <a:ext cx="5486400" cy="4114800"/>
+          </a:xfrm>
+          <a:prstGeom prst="rect">
+            <a:avLst/>
+          </a:prstGeom>
+        </p:spPr>
+        <p:txBody>
+          <a:bodyPr spcFirstLastPara="1" wrap="square" lIns="91425" tIns="91425" rIns="91425" bIns="91425" anchor="t" anchorCtr="0">
+            <a:noAutofit/>
+          </a:bodyPr>
+          <a:lstStyle/>
+          <a:p>
+            <a:pPr marL="0" lvl="0" indent="0" rtl="0">
+              <a:spcBef>
+                <a:spcPts val="0"/>
+              </a:spcBef>
+              <a:spcAft>
+                <a:spcPts val="0"/>
+              </a:spcAft>
+              <a:buNone/>
+            </a:pPr>
+            <a:endParaRPr/>
+          </a:p>
+        </p:txBody>
+      </p:sp>
+    </p:spTree>
+  </p:cSld>
+  <p:clrMapOvr>
+    <a:masterClrMapping/>
+  </p:clrMapOvr>
+</p:notes>
+</file>
+
+<file path=ppt/notesSlides/notesSlide31.xml><?xml version="1.0" encoding="utf-8"?>
+<p:notes xmlns:a="http://schemas.openxmlformats.org/drawingml/2006/main" xmlns:r="http://schemas.openxmlformats.org/officeDocument/2006/relationships" xmlns:p="http://schemas.openxmlformats.org/presentationml/2006/main" showMasterSp="0" showMasterPhAnim="0">
+  <p:cSld>
+    <p:spTree>
+      <p:nvGrpSpPr>
+        <p:cNvPr id="1" name="Shape 261"/>
+        <p:cNvGrpSpPr/>
+        <p:nvPr/>
+      </p:nvGrpSpPr>
+      <p:grpSpPr>
+        <a:xfrm>
+          <a:off x="0" y="0"/>
+          <a:ext cx="0" cy="0"/>
+          <a:chOff x="0" y="0"/>
+          <a:chExt cx="0" cy="0"/>
+        </a:xfrm>
+      </p:grpSpPr>
+      <p:sp>
+        <p:nvSpPr>
+          <p:cNvPr id="262" name="Shape 262"/>
+          <p:cNvSpPr>
+            <a:spLocks noGrp="1" noRot="1" noChangeAspect="1"/>
+          </p:cNvSpPr>
+          <p:nvPr>
+            <p:ph type="sldImg" idx="2"/>
+          </p:nvPr>
+        </p:nvSpPr>
+        <p:spPr>
+          <a:xfrm>
+            <a:off x="381300" y="685800"/>
+            <a:ext cx="6096000" cy="3429000"/>
+          </a:xfrm>
+          <a:custGeom>
+            <a:avLst/>
+            <a:gdLst/>
+            <a:ahLst/>
+            <a:cxnLst/>
+            <a:rect l="0" t="0" r="0" b="0"/>
+            <a:pathLst>
+              <a:path w="120000" h="120000" extrusionOk="0">
+                <a:moveTo>
+                  <a:pt x="0" y="0"/>
+                </a:moveTo>
+                <a:lnTo>
+                  <a:pt x="120000" y="0"/>
+                </a:lnTo>
+                <a:lnTo>
+                  <a:pt x="120000" y="120000"/>
+                </a:lnTo>
+                <a:lnTo>
+                  <a:pt x="0" y="120000"/>
+                </a:lnTo>
+                <a:close/>
+              </a:path>
+            </a:pathLst>
+          </a:custGeom>
+        </p:spPr>
+      </p:sp>
+      <p:sp>
+        <p:nvSpPr>
+          <p:cNvPr id="263" name="Shape 263"/>
+          <p:cNvSpPr txBox="1">
+            <a:spLocks noGrp="1"/>
+          </p:cNvSpPr>
+          <p:nvPr>
+            <p:ph type="body" idx="1"/>
+          </p:nvPr>
+        </p:nvSpPr>
+        <p:spPr>
+          <a:xfrm>
+            <a:off x="685800" y="4343400"/>
+            <a:ext cx="5486400" cy="4114800"/>
+          </a:xfrm>
+          <a:prstGeom prst="rect">
+            <a:avLst/>
+          </a:prstGeom>
+        </p:spPr>
+        <p:txBody>
+          <a:bodyPr spcFirstLastPara="1" wrap="square" lIns="91425" tIns="91425" rIns="91425" bIns="91425" anchor="t" anchorCtr="0">
+            <a:noAutofit/>
+          </a:bodyPr>
+          <a:lstStyle/>
+          <a:p>
+            <a:pPr marL="0" lvl="0" indent="0" rtl="0">
+              <a:spcBef>
+                <a:spcPts val="0"/>
+              </a:spcBef>
+              <a:spcAft>
+                <a:spcPts val="0"/>
+              </a:spcAft>
+              <a:buNone/>
+            </a:pPr>
+            <a:endParaRPr/>
+          </a:p>
+        </p:txBody>
+      </p:sp>
+    </p:spTree>
+  </p:cSld>
+  <p:clrMapOvr>
+    <a:masterClrMapping/>
+  </p:clrMapOvr>
+</p:notes>
+</file>
+
+<file path=ppt/notesSlides/notesSlide32.xml><?xml version="1.0" encoding="utf-8"?>
+<p:notes xmlns:a="http://schemas.openxmlformats.org/drawingml/2006/main" xmlns:r="http://schemas.openxmlformats.org/officeDocument/2006/relationships" xmlns:p="http://schemas.openxmlformats.org/presentationml/2006/main" showMasterSp="0" showMasterPhAnim="0">
+  <p:cSld>
+    <p:spTree>
+      <p:nvGrpSpPr>
+        <p:cNvPr id="1" name="Shape 267"/>
+        <p:cNvGrpSpPr/>
+        <p:nvPr/>
+      </p:nvGrpSpPr>
+      <p:grpSpPr>
+        <a:xfrm>
+          <a:off x="0" y="0"/>
+          <a:ext cx="0" cy="0"/>
+          <a:chOff x="0" y="0"/>
+          <a:chExt cx="0" cy="0"/>
+        </a:xfrm>
+      </p:grpSpPr>
+      <p:sp>
+        <p:nvSpPr>
+          <p:cNvPr id="268" name="Shape 268"/>
+          <p:cNvSpPr>
+            <a:spLocks noGrp="1" noRot="1" noChangeAspect="1"/>
+          </p:cNvSpPr>
+          <p:nvPr>
+            <p:ph type="sldImg" idx="2"/>
+          </p:nvPr>
+        </p:nvSpPr>
+        <p:spPr>
+          <a:xfrm>
+            <a:off x="381300" y="685800"/>
+            <a:ext cx="6096000" cy="3429000"/>
+          </a:xfrm>
+          <a:custGeom>
+            <a:avLst/>
+            <a:gdLst/>
+            <a:ahLst/>
+            <a:cxnLst/>
+            <a:rect l="0" t="0" r="0" b="0"/>
+            <a:pathLst>
+              <a:path w="120000" h="120000" extrusionOk="0">
+                <a:moveTo>
+                  <a:pt x="0" y="0"/>
+                </a:moveTo>
+                <a:lnTo>
+                  <a:pt x="120000" y="0"/>
+                </a:lnTo>
+                <a:lnTo>
+                  <a:pt x="120000" y="120000"/>
+                </a:lnTo>
+                <a:lnTo>
+                  <a:pt x="0" y="120000"/>
+                </a:lnTo>
+                <a:close/>
+              </a:path>
+            </a:pathLst>
+          </a:custGeom>
+        </p:spPr>
+      </p:sp>
+      <p:sp>
+        <p:nvSpPr>
+          <p:cNvPr id="269" name="Shape 269"/>
+          <p:cNvSpPr txBox="1">
+            <a:spLocks noGrp="1"/>
+          </p:cNvSpPr>
+          <p:nvPr>
+            <p:ph type="body" idx="1"/>
+          </p:nvPr>
+        </p:nvSpPr>
+        <p:spPr>
+          <a:xfrm>
+            <a:off x="685800" y="4343400"/>
+            <a:ext cx="5486400" cy="4114800"/>
+          </a:xfrm>
+          <a:prstGeom prst="rect">
+            <a:avLst/>
+          </a:prstGeom>
+        </p:spPr>
+        <p:txBody>
+          <a:bodyPr spcFirstLastPara="1" wrap="square" lIns="91425" tIns="91425" rIns="91425" bIns="91425" anchor="t" anchorCtr="0">
+            <a:noAutofit/>
+          </a:bodyPr>
+          <a:lstStyle/>
+          <a:p>
+            <a:pPr marL="0" lvl="0" indent="0" rtl="0">
+              <a:spcBef>
+                <a:spcPts val="0"/>
+              </a:spcBef>
+              <a:spcAft>
+                <a:spcPts val="0"/>
+              </a:spcAft>
+              <a:buNone/>
+            </a:pPr>
+            <a:endParaRPr/>
+          </a:p>
+        </p:txBody>
+      </p:sp>
+    </p:spTree>
+  </p:cSld>
+  <p:clrMapOvr>
+    <a:masterClrMapping/>
+  </p:clrMapOvr>
+</p:notes>
+</file>
+
+<file path=ppt/notesSlides/notesSlide33.xml><?xml version="1.0" encoding="utf-8"?>
+<p:notes xmlns:a="http://schemas.openxmlformats.org/drawingml/2006/main" xmlns:r="http://schemas.openxmlformats.org/officeDocument/2006/relationships" xmlns:p="http://schemas.openxmlformats.org/presentationml/2006/main" showMasterSp="0" showMasterPhAnim="0">
+  <p:cSld>
+    <p:spTree>
+      <p:nvGrpSpPr>
+        <p:cNvPr id="1" name="Shape 273"/>
+        <p:cNvGrpSpPr/>
+        <p:nvPr/>
+      </p:nvGrpSpPr>
+      <p:grpSpPr>
+        <a:xfrm>
+          <a:off x="0" y="0"/>
+          <a:ext cx="0" cy="0"/>
+          <a:chOff x="0" y="0"/>
+          <a:chExt cx="0" cy="0"/>
+        </a:xfrm>
+      </p:grpSpPr>
+      <p:sp>
+        <p:nvSpPr>
+          <p:cNvPr id="274" name="Shape 274"/>
+          <p:cNvSpPr>
+            <a:spLocks noGrp="1" noRot="1" noChangeAspect="1"/>
+          </p:cNvSpPr>
+          <p:nvPr>
+            <p:ph type="sldImg" idx="2"/>
+          </p:nvPr>
+        </p:nvSpPr>
+        <p:spPr>
+          <a:xfrm>
+            <a:off x="381300" y="685800"/>
+            <a:ext cx="6096000" cy="3429000"/>
+          </a:xfrm>
+          <a:custGeom>
+            <a:avLst/>
+            <a:gdLst/>
+            <a:ahLst/>
+            <a:cxnLst/>
+            <a:rect l="0" t="0" r="0" b="0"/>
+            <a:pathLst>
+              <a:path w="120000" h="120000" extrusionOk="0">
+                <a:moveTo>
+                  <a:pt x="0" y="0"/>
+                </a:moveTo>
+                <a:lnTo>
+                  <a:pt x="120000" y="0"/>
+                </a:lnTo>
+                <a:lnTo>
+                  <a:pt x="120000" y="120000"/>
+                </a:lnTo>
+                <a:lnTo>
+                  <a:pt x="0" y="120000"/>
+                </a:lnTo>
+                <a:close/>
+              </a:path>
+            </a:pathLst>
+          </a:custGeom>
+        </p:spPr>
+      </p:sp>
+      <p:sp>
+        <p:nvSpPr>
+          <p:cNvPr id="275" name="Shape 275"/>
           <p:cNvSpPr txBox="1">
             <a:spLocks noGrp="1"/>
           </p:cNvSpPr>
@@ -3087,7 +3402,7 @@
         </p:nvSpPr>
         <p:spPr>
           <a:xfrm>
-            <a:off x="381000" y="685800"/>
+            <a:off x="381300" y="685800"/>
             <a:ext cx="6096000" cy="3429000"/>
           </a:xfrm>
           <a:custGeom>
@@ -3191,7 +3506,7 @@
         </p:nvSpPr>
         <p:spPr>
           <a:xfrm>
-            <a:off x="381000" y="685800"/>
+            <a:off x="381300" y="685800"/>
             <a:ext cx="6096000" cy="3429000"/>
           </a:xfrm>
           <a:custGeom>
@@ -3295,7 +3610,7 @@
         </p:nvSpPr>
         <p:spPr>
           <a:xfrm>
-            <a:off x="381000" y="685800"/>
+            <a:off x="381300" y="685800"/>
             <a:ext cx="6096000" cy="3429000"/>
           </a:xfrm>
           <a:custGeom>
@@ -3399,7 +3714,7 @@
         </p:nvSpPr>
         <p:spPr>
           <a:xfrm>
-            <a:off x="381000" y="685800"/>
+            <a:off x="381300" y="685800"/>
             <a:ext cx="6096000" cy="3429000"/>
           </a:xfrm>
           <a:custGeom>
@@ -3503,7 +3818,7 @@
         </p:nvSpPr>
         <p:spPr>
           <a:xfrm>
-            <a:off x="381000" y="685800"/>
+            <a:off x="381300" y="685800"/>
             <a:ext cx="6096000" cy="3429000"/>
           </a:xfrm>
           <a:custGeom>
@@ -3607,7 +3922,7 @@
         </p:nvSpPr>
         <p:spPr>
           <a:xfrm>
-            <a:off x="381000" y="685800"/>
+            <a:off x="381300" y="685800"/>
             <a:ext cx="6096000" cy="3429000"/>
           </a:xfrm>
           <a:custGeom>
@@ -10580,180 +10895,6 @@
   <p:cSld>
     <p:spTree>
       <p:nvGrpSpPr>
-        <p:cNvPr id="1" name="Shape 138"/>
-        <p:cNvGrpSpPr/>
-        <p:nvPr/>
-      </p:nvGrpSpPr>
-      <p:grpSpPr>
-        <a:xfrm>
-          <a:off x="0" y="0"/>
-          <a:ext cx="0" cy="0"/>
-          <a:chOff x="0" y="0"/>
-          <a:chExt cx="0" cy="0"/>
-        </a:xfrm>
-      </p:grpSpPr>
-      <p:sp>
-        <p:nvSpPr>
-          <p:cNvPr id="139" name="Shape 139"/>
-          <p:cNvSpPr txBox="1">
-            <a:spLocks noGrp="1"/>
-          </p:cNvSpPr>
-          <p:nvPr>
-            <p:ph type="title"/>
-          </p:nvPr>
-        </p:nvSpPr>
-        <p:spPr>
-          <a:xfrm>
-            <a:off x="311700" y="410000"/>
-            <a:ext cx="8520600" cy="607800"/>
-          </a:xfrm>
-          <a:prstGeom prst="rect">
-            <a:avLst/>
-          </a:prstGeom>
-        </p:spPr>
-        <p:txBody>
-          <a:bodyPr spcFirstLastPara="1" wrap="square" lIns="91425" tIns="91425" rIns="91425" bIns="91425" anchor="t" anchorCtr="0">
-            <a:noAutofit/>
-          </a:bodyPr>
-          <a:lstStyle/>
-          <a:p>
-            <a:pPr marL="0" lvl="0" indent="0" rtl="0">
-              <a:spcBef>
-                <a:spcPts val="0"/>
-              </a:spcBef>
-              <a:spcAft>
-                <a:spcPts val="0"/>
-              </a:spcAft>
-              <a:buNone/>
-            </a:pPr>
-            <a:r>
-              <a:rPr lang="en"/>
-              <a:t>OK Game Developers</a:t>
-            </a:r>
-            <a:endParaRPr/>
-          </a:p>
-        </p:txBody>
-      </p:sp>
-      <p:sp>
-        <p:nvSpPr>
-          <p:cNvPr id="140" name="Shape 140"/>
-          <p:cNvSpPr txBox="1">
-            <a:spLocks noGrp="1"/>
-          </p:cNvSpPr>
-          <p:nvPr>
-            <p:ph type="body" idx="1"/>
-          </p:nvPr>
-        </p:nvSpPr>
-        <p:spPr>
-          <a:xfrm>
-            <a:off x="311700" y="1229875"/>
-            <a:ext cx="8520600" cy="3339000"/>
-          </a:xfrm>
-          <a:prstGeom prst="rect">
-            <a:avLst/>
-          </a:prstGeom>
-        </p:spPr>
-        <p:txBody>
-          <a:bodyPr spcFirstLastPara="1" wrap="square" lIns="91425" tIns="91425" rIns="91425" bIns="91425" anchor="t" anchorCtr="0">
-            <a:noAutofit/>
-          </a:bodyPr>
-          <a:lstStyle/>
-          <a:p>
-            <a:pPr marL="0" lvl="0" indent="0" rtl="0">
-              <a:spcBef>
-                <a:spcPts val="0"/>
-              </a:spcBef>
-              <a:spcAft>
-                <a:spcPts val="0"/>
-              </a:spcAft>
-              <a:buNone/>
-            </a:pPr>
-            <a:r>
-              <a:rPr lang="en"/>
-              <a:t>Thursday 2/1</a:t>
-            </a:r>
-            <a:endParaRPr/>
-          </a:p>
-          <a:p>
-            <a:pPr marL="0" lvl="0" indent="0" rtl="0">
-              <a:spcBef>
-                <a:spcPts val="1600"/>
-              </a:spcBef>
-              <a:spcAft>
-                <a:spcPts val="0"/>
-              </a:spcAft>
-              <a:buNone/>
-            </a:pPr>
-            <a:r>
-              <a:rPr lang="en"/>
-              <a:t>7:00 - 8:00 pm</a:t>
-            </a:r>
-            <a:endParaRPr/>
-          </a:p>
-          <a:p>
-            <a:pPr marL="0" lvl="0" indent="0" rtl="0">
-              <a:spcBef>
-                <a:spcPts val="1600"/>
-              </a:spcBef>
-              <a:spcAft>
-                <a:spcPts val="0"/>
-              </a:spcAft>
-              <a:buNone/>
-            </a:pPr>
-            <a:r>
-              <a:rPr lang="en"/>
-              <a:t>Lightning Talks</a:t>
-            </a:r>
-            <a:endParaRPr/>
-          </a:p>
-          <a:p>
-            <a:pPr marL="0" lvl="0" indent="0" rtl="0">
-              <a:spcBef>
-                <a:spcPts val="1600"/>
-              </a:spcBef>
-              <a:spcAft>
-                <a:spcPts val="1600"/>
-              </a:spcAft>
-              <a:buNone/>
-            </a:pPr>
-            <a:r>
-              <a:rPr lang="en" u="sng">
-                <a:solidFill>
-                  <a:schemeClr val="hlink"/>
-                </a:solidFill>
-                <a:hlinkClick r:id="rId3"/>
-              </a:rPr>
-              <a:t>www.meetup.com/oklahoma-game-developers</a:t>
-            </a:r>
-            <a:r>
-              <a:rPr lang="en" u="sng"/>
-              <a:t> </a:t>
-            </a:r>
-            <a:endParaRPr u="sng"/>
-          </a:p>
-        </p:txBody>
-      </p:sp>
-    </p:spTree>
-  </p:cSld>
-  <p:clrMapOvr>
-    <a:masterClrMapping/>
-  </p:clrMapOvr>
-  <mc:AlternateContent xmlns:mc="http://schemas.openxmlformats.org/markup-compatibility/2006">
-    <mc:Choice xmlns:p14="http://schemas.microsoft.com/office/powerpoint/2010/main" Requires="p14">
-      <p:transition spd="slow" p14:dur="2000" advTm="10000"/>
-    </mc:Choice>
-    <mc:Fallback>
-      <p:transition spd="slow" advTm="10000"/>
-    </mc:Fallback>
-  </mc:AlternateContent>
-</p:sld>
-</file>
-
-<file path=ppt/slides/slide11.xml><?xml version="1.0" encoding="utf-8"?>
-<p:sld xmlns:a="http://schemas.openxmlformats.org/drawingml/2006/main" xmlns:r="http://schemas.openxmlformats.org/officeDocument/2006/relationships" xmlns:p="http://schemas.openxmlformats.org/presentationml/2006/main">
-  <p:cSld>
-    <p:spTree>
-      <p:nvGrpSpPr>
         <p:cNvPr id="1" name="Shape 144"/>
         <p:cNvGrpSpPr/>
         <p:nvPr/>
@@ -10923,7 +11064,7 @@
 </p:sld>
 </file>
 
-<file path=ppt/slides/slide12.xml><?xml version="1.0" encoding="utf-8"?>
+<file path=ppt/slides/slide11.xml><?xml version="1.0" encoding="utf-8"?>
 <p:sld xmlns:a="http://schemas.openxmlformats.org/drawingml/2006/main" xmlns:r="http://schemas.openxmlformats.org/officeDocument/2006/relationships" xmlns:p="http://schemas.openxmlformats.org/presentationml/2006/main">
   <p:cSld>
     <p:spTree>
@@ -11109,7 +11250,7 @@
 </p:sld>
 </file>
 
-<file path=ppt/slides/slide13.xml><?xml version="1.0" encoding="utf-8"?>
+<file path=ppt/slides/slide12.xml><?xml version="1.0" encoding="utf-8"?>
 <p:sld xmlns:a="http://schemas.openxmlformats.org/drawingml/2006/main" xmlns:r="http://schemas.openxmlformats.org/officeDocument/2006/relationships" xmlns:p="http://schemas.openxmlformats.org/presentationml/2006/main">
   <p:cSld>
     <p:spTree>
@@ -11283,7 +11424,7 @@
 </p:sld>
 </file>
 
-<file path=ppt/slides/slide14.xml><?xml version="1.0" encoding="utf-8"?>
+<file path=ppt/slides/slide13.xml><?xml version="1.0" encoding="utf-8"?>
 <p:sld xmlns:a="http://schemas.openxmlformats.org/drawingml/2006/main" xmlns:r="http://schemas.openxmlformats.org/officeDocument/2006/relationships" xmlns:p="http://schemas.openxmlformats.org/presentationml/2006/main">
   <p:cSld>
     <p:spTree>
@@ -11457,7 +11598,7 @@
 </p:sld>
 </file>
 
-<file path=ppt/slides/slide15.xml><?xml version="1.0" encoding="utf-8"?>
+<file path=ppt/slides/slide14.xml><?xml version="1.0" encoding="utf-8"?>
 <p:sld xmlns:a="http://schemas.openxmlformats.org/drawingml/2006/main" xmlns:r="http://schemas.openxmlformats.org/officeDocument/2006/relationships" xmlns:p="http://schemas.openxmlformats.org/presentationml/2006/main">
   <p:cSld>
     <p:spTree>
@@ -11640,7 +11781,7 @@
 </p:sld>
 </file>
 
-<file path=ppt/slides/slide16.xml><?xml version="1.0" encoding="utf-8"?>
+<file path=ppt/slides/slide15.xml><?xml version="1.0" encoding="utf-8"?>
 <p:sld xmlns:a="http://schemas.openxmlformats.org/drawingml/2006/main" xmlns:r="http://schemas.openxmlformats.org/officeDocument/2006/relationships" xmlns:p="http://schemas.openxmlformats.org/presentationml/2006/main">
   <p:cSld>
     <p:spTree>
@@ -11823,7 +11964,7 @@
 </p:sld>
 </file>
 
-<file path=ppt/slides/slide17.xml><?xml version="1.0" encoding="utf-8"?>
+<file path=ppt/slides/slide16.xml><?xml version="1.0" encoding="utf-8"?>
 <p:sld xmlns:a="http://schemas.openxmlformats.org/drawingml/2006/main" xmlns:r="http://schemas.openxmlformats.org/officeDocument/2006/relationships" xmlns:p="http://schemas.openxmlformats.org/presentationml/2006/main">
   <p:cSld>
     <p:spTree>
@@ -11997,7 +12138,7 @@
 </p:sld>
 </file>
 
-<file path=ppt/slides/slide18.xml><?xml version="1.0" encoding="utf-8"?>
+<file path=ppt/slides/slide17.xml><?xml version="1.0" encoding="utf-8"?>
 <p:sld xmlns:a="http://schemas.openxmlformats.org/drawingml/2006/main" xmlns:r="http://schemas.openxmlformats.org/officeDocument/2006/relationships" xmlns:p="http://schemas.openxmlformats.org/presentationml/2006/main">
   <p:cSld>
     <p:spTree>
@@ -12180,7 +12321,7 @@
 </p:sld>
 </file>
 
-<file path=ppt/slides/slide19.xml><?xml version="1.0" encoding="utf-8"?>
+<file path=ppt/slides/slide18.xml><?xml version="1.0" encoding="utf-8"?>
 <p:sld xmlns:a="http://schemas.openxmlformats.org/drawingml/2006/main" xmlns:r="http://schemas.openxmlformats.org/officeDocument/2006/relationships" xmlns:p="http://schemas.openxmlformats.org/presentationml/2006/main">
   <p:cSld>
     <p:spTree>
@@ -12335,6 +12476,184 @@
               <a:t> </a:t>
             </a:r>
             <a:endParaRPr/>
+          </a:p>
+        </p:txBody>
+      </p:sp>
+    </p:spTree>
+  </p:cSld>
+  <p:clrMapOvr>
+    <a:masterClrMapping/>
+  </p:clrMapOvr>
+  <mc:AlternateContent xmlns:mc="http://schemas.openxmlformats.org/markup-compatibility/2006">
+    <mc:Choice xmlns:p14="http://schemas.microsoft.com/office/powerpoint/2010/main" Requires="p14">
+      <p:transition spd="slow" p14:dur="2000" advTm="10000"/>
+    </mc:Choice>
+    <mc:Fallback>
+      <p:transition spd="slow" advTm="10000"/>
+    </mc:Fallback>
+  </mc:AlternateContent>
+</p:sld>
+</file>
+
+<file path=ppt/slides/slide19.xml><?xml version="1.0" encoding="utf-8"?>
+<p:sld xmlns:a="http://schemas.openxmlformats.org/drawingml/2006/main" xmlns:r="http://schemas.openxmlformats.org/officeDocument/2006/relationships" xmlns:p="http://schemas.openxmlformats.org/presentationml/2006/main">
+  <p:cSld>
+    <p:spTree>
+      <p:nvGrpSpPr>
+        <p:cNvPr id="1" name="Shape 198"/>
+        <p:cNvGrpSpPr/>
+        <p:nvPr/>
+      </p:nvGrpSpPr>
+      <p:grpSpPr>
+        <a:xfrm>
+          <a:off x="0" y="0"/>
+          <a:ext cx="0" cy="0"/>
+          <a:chOff x="0" y="0"/>
+          <a:chExt cx="0" cy="0"/>
+        </a:xfrm>
+      </p:grpSpPr>
+      <p:sp>
+        <p:nvSpPr>
+          <p:cNvPr id="199" name="Shape 199"/>
+          <p:cNvSpPr txBox="1">
+            <a:spLocks noGrp="1"/>
+          </p:cNvSpPr>
+          <p:nvPr>
+            <p:ph type="title"/>
+          </p:nvPr>
+        </p:nvSpPr>
+        <p:spPr>
+          <a:xfrm>
+            <a:off x="311700" y="410000"/>
+            <a:ext cx="8520600" cy="607800"/>
+          </a:xfrm>
+          <a:prstGeom prst="rect">
+            <a:avLst/>
+          </a:prstGeom>
+        </p:spPr>
+        <p:txBody>
+          <a:bodyPr spcFirstLastPara="1" wrap="square" lIns="91425" tIns="91425" rIns="91425" bIns="91425" anchor="t" anchorCtr="0">
+            <a:noAutofit/>
+          </a:bodyPr>
+          <a:lstStyle/>
+          <a:p>
+            <a:pPr marL="0" lvl="0" indent="0" rtl="0">
+              <a:spcBef>
+                <a:spcPts val="0"/>
+              </a:spcBef>
+              <a:spcAft>
+                <a:spcPts val="0"/>
+              </a:spcAft>
+              <a:buNone/>
+            </a:pPr>
+            <a:r>
+              <a:rPr lang="en"/>
+              <a:t>CocoaHeads OKC</a:t>
+            </a:r>
+            <a:endParaRPr sz="4800"/>
+          </a:p>
+        </p:txBody>
+      </p:sp>
+      <p:sp>
+        <p:nvSpPr>
+          <p:cNvPr id="200" name="Shape 200"/>
+          <p:cNvSpPr txBox="1">
+            <a:spLocks noGrp="1"/>
+          </p:cNvSpPr>
+          <p:nvPr>
+            <p:ph type="body" idx="1"/>
+          </p:nvPr>
+        </p:nvSpPr>
+        <p:spPr>
+          <a:xfrm>
+            <a:off x="311700" y="1229875"/>
+            <a:ext cx="8520600" cy="3339000"/>
+          </a:xfrm>
+          <a:prstGeom prst="rect">
+            <a:avLst/>
+          </a:prstGeom>
+        </p:spPr>
+        <p:txBody>
+          <a:bodyPr spcFirstLastPara="1" wrap="square" lIns="91425" tIns="91425" rIns="91425" bIns="91425" anchor="t" anchorCtr="0">
+            <a:noAutofit/>
+          </a:bodyPr>
+          <a:lstStyle/>
+          <a:p>
+            <a:pPr marL="0" lvl="0" indent="0" rtl="0">
+              <a:spcBef>
+                <a:spcPts val="0"/>
+              </a:spcBef>
+              <a:spcAft>
+                <a:spcPts val="0"/>
+              </a:spcAft>
+              <a:buNone/>
+            </a:pPr>
+            <a:r>
+              <a:rPr lang="en" dirty="0"/>
+              <a:t>Thursday 2/15</a:t>
+            </a:r>
+            <a:endParaRPr dirty="0"/>
+          </a:p>
+          <a:p>
+            <a:pPr marL="0" lvl="0" indent="0" rtl="0">
+              <a:spcBef>
+                <a:spcPts val="1600"/>
+              </a:spcBef>
+              <a:spcAft>
+                <a:spcPts val="0"/>
+              </a:spcAft>
+              <a:buNone/>
+            </a:pPr>
+            <a:r>
+              <a:rPr lang="en" dirty="0"/>
+              <a:t>11:30 - 12:30</a:t>
+            </a:r>
+            <a:endParaRPr dirty="0"/>
+          </a:p>
+          <a:p>
+            <a:pPr marL="0" lvl="0" indent="0" rtl="0">
+              <a:spcBef>
+                <a:spcPts val="1600"/>
+              </a:spcBef>
+              <a:spcAft>
+                <a:spcPts val="0"/>
+              </a:spcAft>
+              <a:buNone/>
+            </a:pPr>
+            <a:r>
+              <a:rPr lang="en-US" dirty="0" err="1" smtClean="0"/>
+              <a:t>SiriKit</a:t>
+            </a:r>
+            <a:r>
+              <a:rPr lang="en-US" dirty="0" smtClean="0"/>
+              <a:t> with Tyler Jones</a:t>
+            </a:r>
+            <a:endParaRPr dirty="0"/>
+          </a:p>
+          <a:p>
+            <a:pPr marL="0" lvl="0" indent="0" rtl="0">
+              <a:spcBef>
+                <a:spcPts val="1600"/>
+              </a:spcBef>
+              <a:spcAft>
+                <a:spcPts val="1600"/>
+              </a:spcAft>
+              <a:buNone/>
+            </a:pPr>
+            <a:r>
+              <a:rPr lang="en" u="sng" dirty="0">
+                <a:solidFill>
+                  <a:schemeClr val="hlink"/>
+                </a:solidFill>
+                <a:hlinkClick r:id="rId3"/>
+              </a:rPr>
+              <a:t>www.meetup.com/cocoaheads-okc</a:t>
+            </a:r>
+            <a:r>
+              <a:rPr lang="en" dirty="0"/>
+              <a:t> </a:t>
+            </a:r>
+            <a:endParaRPr dirty="0"/>
           </a:p>
         </p:txBody>
       </p:sp>
@@ -12450,180 +12769,6 @@
   <p:cSld>
     <p:spTree>
       <p:nvGrpSpPr>
-        <p:cNvPr id="1" name="Shape 198"/>
-        <p:cNvGrpSpPr/>
-        <p:nvPr/>
-      </p:nvGrpSpPr>
-      <p:grpSpPr>
-        <a:xfrm>
-          <a:off x="0" y="0"/>
-          <a:ext cx="0" cy="0"/>
-          <a:chOff x="0" y="0"/>
-          <a:chExt cx="0" cy="0"/>
-        </a:xfrm>
-      </p:grpSpPr>
-      <p:sp>
-        <p:nvSpPr>
-          <p:cNvPr id="199" name="Shape 199"/>
-          <p:cNvSpPr txBox="1">
-            <a:spLocks noGrp="1"/>
-          </p:cNvSpPr>
-          <p:nvPr>
-            <p:ph type="title"/>
-          </p:nvPr>
-        </p:nvSpPr>
-        <p:spPr>
-          <a:xfrm>
-            <a:off x="311700" y="410000"/>
-            <a:ext cx="8520600" cy="607800"/>
-          </a:xfrm>
-          <a:prstGeom prst="rect">
-            <a:avLst/>
-          </a:prstGeom>
-        </p:spPr>
-        <p:txBody>
-          <a:bodyPr spcFirstLastPara="1" wrap="square" lIns="91425" tIns="91425" rIns="91425" bIns="91425" anchor="t" anchorCtr="0">
-            <a:noAutofit/>
-          </a:bodyPr>
-          <a:lstStyle/>
-          <a:p>
-            <a:pPr marL="0" lvl="0" indent="0" rtl="0">
-              <a:spcBef>
-                <a:spcPts val="0"/>
-              </a:spcBef>
-              <a:spcAft>
-                <a:spcPts val="0"/>
-              </a:spcAft>
-              <a:buNone/>
-            </a:pPr>
-            <a:r>
-              <a:rPr lang="en"/>
-              <a:t>CocoaHeads OKC</a:t>
-            </a:r>
-            <a:endParaRPr sz="4800"/>
-          </a:p>
-        </p:txBody>
-      </p:sp>
-      <p:sp>
-        <p:nvSpPr>
-          <p:cNvPr id="200" name="Shape 200"/>
-          <p:cNvSpPr txBox="1">
-            <a:spLocks noGrp="1"/>
-          </p:cNvSpPr>
-          <p:nvPr>
-            <p:ph type="body" idx="1"/>
-          </p:nvPr>
-        </p:nvSpPr>
-        <p:spPr>
-          <a:xfrm>
-            <a:off x="311700" y="1229875"/>
-            <a:ext cx="8520600" cy="3339000"/>
-          </a:xfrm>
-          <a:prstGeom prst="rect">
-            <a:avLst/>
-          </a:prstGeom>
-        </p:spPr>
-        <p:txBody>
-          <a:bodyPr spcFirstLastPara="1" wrap="square" lIns="91425" tIns="91425" rIns="91425" bIns="91425" anchor="t" anchorCtr="0">
-            <a:noAutofit/>
-          </a:bodyPr>
-          <a:lstStyle/>
-          <a:p>
-            <a:pPr marL="0" lvl="0" indent="0" rtl="0">
-              <a:spcBef>
-                <a:spcPts val="0"/>
-              </a:spcBef>
-              <a:spcAft>
-                <a:spcPts val="0"/>
-              </a:spcAft>
-              <a:buNone/>
-            </a:pPr>
-            <a:r>
-              <a:rPr lang="en"/>
-              <a:t>Thursday 2/15</a:t>
-            </a:r>
-            <a:endParaRPr/>
-          </a:p>
-          <a:p>
-            <a:pPr marL="0" lvl="0" indent="0" rtl="0">
-              <a:spcBef>
-                <a:spcPts val="1600"/>
-              </a:spcBef>
-              <a:spcAft>
-                <a:spcPts val="0"/>
-              </a:spcAft>
-              <a:buNone/>
-            </a:pPr>
-            <a:r>
-              <a:rPr lang="en"/>
-              <a:t>11:30 - 12:30</a:t>
-            </a:r>
-            <a:endParaRPr/>
-          </a:p>
-          <a:p>
-            <a:pPr marL="0" lvl="0" indent="0" rtl="0">
-              <a:spcBef>
-                <a:spcPts val="1600"/>
-              </a:spcBef>
-              <a:spcAft>
-                <a:spcPts val="0"/>
-              </a:spcAft>
-              <a:buNone/>
-            </a:pPr>
-            <a:r>
-              <a:rPr lang="en"/>
-              <a:t>Topic to be Announced</a:t>
-            </a:r>
-            <a:endParaRPr/>
-          </a:p>
-          <a:p>
-            <a:pPr marL="0" lvl="0" indent="0" rtl="0">
-              <a:spcBef>
-                <a:spcPts val="1600"/>
-              </a:spcBef>
-              <a:spcAft>
-                <a:spcPts val="1600"/>
-              </a:spcAft>
-              <a:buNone/>
-            </a:pPr>
-            <a:r>
-              <a:rPr lang="en" u="sng">
-                <a:solidFill>
-                  <a:schemeClr val="hlink"/>
-                </a:solidFill>
-                <a:hlinkClick r:id="rId3"/>
-              </a:rPr>
-              <a:t>www.meetup.com/cocoaheads-okc</a:t>
-            </a:r>
-            <a:r>
-              <a:rPr lang="en"/>
-              <a:t> </a:t>
-            </a:r>
-            <a:endParaRPr/>
-          </a:p>
-        </p:txBody>
-      </p:sp>
-    </p:spTree>
-  </p:cSld>
-  <p:clrMapOvr>
-    <a:masterClrMapping/>
-  </p:clrMapOvr>
-  <mc:AlternateContent xmlns:mc="http://schemas.openxmlformats.org/markup-compatibility/2006">
-    <mc:Choice xmlns:p14="http://schemas.microsoft.com/office/powerpoint/2010/main" Requires="p14">
-      <p:transition spd="slow" p14:dur="2000" advTm="10000"/>
-    </mc:Choice>
-    <mc:Fallback>
-      <p:transition spd="slow" advTm="10000"/>
-    </mc:Fallback>
-  </mc:AlternateContent>
-</p:sld>
-</file>
-
-<file path=ppt/slides/slide21.xml><?xml version="1.0" encoding="utf-8"?>
-<p:sld xmlns:a="http://schemas.openxmlformats.org/drawingml/2006/main" xmlns:r="http://schemas.openxmlformats.org/officeDocument/2006/relationships" xmlns:p="http://schemas.openxmlformats.org/presentationml/2006/main">
-  <p:cSld>
-    <p:spTree>
-      <p:nvGrpSpPr>
         <p:cNvPr id="1" name="Shape 204"/>
         <p:cNvGrpSpPr/>
         <p:nvPr/>
@@ -12793,7 +12938,7 @@
 </p:sld>
 </file>
 
-<file path=ppt/slides/slide22.xml><?xml version="1.0" encoding="utf-8"?>
+<file path=ppt/slides/slide21.xml><?xml version="1.0" encoding="utf-8"?>
 <p:sld xmlns:a="http://schemas.openxmlformats.org/drawingml/2006/main" xmlns:r="http://schemas.openxmlformats.org/officeDocument/2006/relationships" xmlns:p="http://schemas.openxmlformats.org/presentationml/2006/main">
   <p:cSld>
     <p:spTree>
@@ -12967,7 +13112,7 @@
 </p:sld>
 </file>
 
-<file path=ppt/slides/slide23.xml><?xml version="1.0" encoding="utf-8"?>
+<file path=ppt/slides/slide22.xml><?xml version="1.0" encoding="utf-8"?>
 <p:sld xmlns:a="http://schemas.openxmlformats.org/drawingml/2006/main" xmlns:r="http://schemas.openxmlformats.org/officeDocument/2006/relationships" xmlns:p="http://schemas.openxmlformats.org/presentationml/2006/main">
   <p:cSld>
     <p:spTree>
@@ -13141,7 +13286,7 @@
 </p:sld>
 </file>
 
-<file path=ppt/slides/slide24.xml><?xml version="1.0" encoding="utf-8"?>
+<file path=ppt/slides/slide23.xml><?xml version="1.0" encoding="utf-8"?>
 <p:sld xmlns:a="http://schemas.openxmlformats.org/drawingml/2006/main" xmlns:r="http://schemas.openxmlformats.org/officeDocument/2006/relationships" xmlns:p="http://schemas.openxmlformats.org/presentationml/2006/main">
   <p:cSld>
     <p:spTree>
@@ -13334,7 +13479,7 @@
 </p:sld>
 </file>
 
-<file path=ppt/slides/slide25.xml><?xml version="1.0" encoding="utf-8"?>
+<file path=ppt/slides/slide24.xml><?xml version="1.0" encoding="utf-8"?>
 <p:sld xmlns:a="http://schemas.openxmlformats.org/drawingml/2006/main" xmlns:r="http://schemas.openxmlformats.org/officeDocument/2006/relationships" xmlns:p="http://schemas.openxmlformats.org/presentationml/2006/main">
   <p:cSld>
     <p:spTree>
@@ -13521,7 +13666,7 @@
 </p:sld>
 </file>
 
-<file path=ppt/slides/slide26.xml><?xml version="1.0" encoding="utf-8"?>
+<file path=ppt/slides/slide25.xml><?xml version="1.0" encoding="utf-8"?>
 <p:sld xmlns:a="http://schemas.openxmlformats.org/drawingml/2006/main" xmlns:r="http://schemas.openxmlformats.org/officeDocument/2006/relationships" xmlns:p="http://schemas.openxmlformats.org/presentationml/2006/main">
   <p:cSld>
     <p:spTree>
@@ -13695,7 +13840,7 @@
 </p:sld>
 </file>
 
-<file path=ppt/slides/slide27.xml><?xml version="1.0" encoding="utf-8"?>
+<file path=ppt/slides/slide26.xml><?xml version="1.0" encoding="utf-8"?>
 <p:sld xmlns:a="http://schemas.openxmlformats.org/drawingml/2006/main" xmlns:r="http://schemas.openxmlformats.org/officeDocument/2006/relationships" xmlns:p="http://schemas.openxmlformats.org/presentationml/2006/main">
   <p:cSld>
     <p:spTree>
@@ -13869,7 +14014,7 @@
 </p:sld>
 </file>
 
-<file path=ppt/slides/slide28.xml><?xml version="1.0" encoding="utf-8"?>
+<file path=ppt/slides/slide27.xml><?xml version="1.0" encoding="utf-8"?>
 <p:sld xmlns:a="http://schemas.openxmlformats.org/drawingml/2006/main" xmlns:r="http://schemas.openxmlformats.org/officeDocument/2006/relationships" xmlns:p="http://schemas.openxmlformats.org/presentationml/2006/main">
   <p:cSld>
     <p:spTree>
@@ -14043,7 +14188,7 @@
 </p:sld>
 </file>
 
-<file path=ppt/slides/slide29.xml><?xml version="1.0" encoding="utf-8"?>
+<file path=ppt/slides/slide28.xml><?xml version="1.0" encoding="utf-8"?>
 <p:sld xmlns:a="http://schemas.openxmlformats.org/drawingml/2006/main" xmlns:r="http://schemas.openxmlformats.org/officeDocument/2006/relationships" xmlns:p="http://schemas.openxmlformats.org/presentationml/2006/main">
   <p:cSld>
     <p:spTree>
@@ -14198,6 +14343,176 @@
               <a:t> </a:t>
             </a:r>
             <a:endParaRPr/>
+          </a:p>
+        </p:txBody>
+      </p:sp>
+    </p:spTree>
+  </p:cSld>
+  <p:clrMapOvr>
+    <a:masterClrMapping/>
+  </p:clrMapOvr>
+  <mc:AlternateContent xmlns:mc="http://schemas.openxmlformats.org/markup-compatibility/2006">
+    <mc:Choice xmlns:p14="http://schemas.microsoft.com/office/powerpoint/2010/main" Requires="p14">
+      <p:transition spd="slow" p14:dur="2000" advTm="10000"/>
+    </mc:Choice>
+    <mc:Fallback>
+      <p:transition spd="slow" advTm="10000"/>
+    </mc:Fallback>
+  </mc:AlternateContent>
+</p:sld>
+</file>
+
+<file path=ppt/slides/slide29.xml><?xml version="1.0" encoding="utf-8"?>
+<p:sld xmlns:a="http://schemas.openxmlformats.org/drawingml/2006/main" xmlns:r="http://schemas.openxmlformats.org/officeDocument/2006/relationships" xmlns:p="http://schemas.openxmlformats.org/presentationml/2006/main">
+  <p:cSld>
+    <p:spTree>
+      <p:nvGrpSpPr>
+        <p:cNvPr id="1" name="Shape 258"/>
+        <p:cNvGrpSpPr/>
+        <p:nvPr/>
+      </p:nvGrpSpPr>
+      <p:grpSpPr>
+        <a:xfrm>
+          <a:off x="0" y="0"/>
+          <a:ext cx="0" cy="0"/>
+          <a:chOff x="0" y="0"/>
+          <a:chExt cx="0" cy="0"/>
+        </a:xfrm>
+      </p:grpSpPr>
+      <p:sp>
+        <p:nvSpPr>
+          <p:cNvPr id="259" name="Shape 259"/>
+          <p:cNvSpPr txBox="1">
+            <a:spLocks noGrp="1"/>
+          </p:cNvSpPr>
+          <p:nvPr>
+            <p:ph type="title"/>
+          </p:nvPr>
+        </p:nvSpPr>
+        <p:spPr>
+          <a:xfrm>
+            <a:off x="311700" y="410000"/>
+            <a:ext cx="8520600" cy="607800"/>
+          </a:xfrm>
+          <a:prstGeom prst="rect">
+            <a:avLst/>
+          </a:prstGeom>
+        </p:spPr>
+        <p:txBody>
+          <a:bodyPr spcFirstLastPara="1" wrap="square" lIns="91425" tIns="91425" rIns="91425" bIns="91425" anchor="t" anchorCtr="0">
+            <a:noAutofit/>
+          </a:bodyPr>
+          <a:lstStyle/>
+          <a:p>
+            <a:pPr marL="0" lvl="0" indent="0" rtl="0">
+              <a:spcBef>
+                <a:spcPts val="0"/>
+              </a:spcBef>
+              <a:spcAft>
+                <a:spcPts val="0"/>
+              </a:spcAft>
+              <a:buNone/>
+            </a:pPr>
+            <a:r>
+              <a:rPr lang="en"/>
+              <a:t>Big Data and Data Science in OKC</a:t>
+            </a:r>
+            <a:endParaRPr sz="4800"/>
+          </a:p>
+        </p:txBody>
+      </p:sp>
+      <p:sp>
+        <p:nvSpPr>
+          <p:cNvPr id="260" name="Shape 260"/>
+          <p:cNvSpPr txBox="1">
+            <a:spLocks noGrp="1"/>
+          </p:cNvSpPr>
+          <p:nvPr>
+            <p:ph type="body" idx="1"/>
+          </p:nvPr>
+        </p:nvSpPr>
+        <p:spPr>
+          <a:xfrm>
+            <a:off x="311700" y="1229875"/>
+            <a:ext cx="8520600" cy="3339000"/>
+          </a:xfrm>
+          <a:prstGeom prst="rect">
+            <a:avLst/>
+          </a:prstGeom>
+        </p:spPr>
+        <p:txBody>
+          <a:bodyPr spcFirstLastPara="1" wrap="square" lIns="91425" tIns="91425" rIns="91425" bIns="91425" anchor="t" anchorCtr="0">
+            <a:noAutofit/>
+          </a:bodyPr>
+          <a:lstStyle/>
+          <a:p>
+            <a:pPr marL="0" lvl="0" indent="0" rtl="0">
+              <a:spcBef>
+                <a:spcPts val="0"/>
+              </a:spcBef>
+              <a:spcAft>
+                <a:spcPts val="0"/>
+              </a:spcAft>
+              <a:buNone/>
+            </a:pPr>
+            <a:r>
+              <a:rPr lang="en"/>
+              <a:t>Thursday 3/1</a:t>
+            </a:r>
+            <a:endParaRPr/>
+          </a:p>
+          <a:p>
+            <a:pPr marL="0" lvl="0" indent="0" rtl="0">
+              <a:spcBef>
+                <a:spcPts val="1600"/>
+              </a:spcBef>
+              <a:spcAft>
+                <a:spcPts val="0"/>
+              </a:spcAft>
+              <a:buNone/>
+            </a:pPr>
+            <a:r>
+              <a:rPr lang="en"/>
+              <a:t>11:30 - 1:00</a:t>
+            </a:r>
+            <a:endParaRPr/>
+          </a:p>
+          <a:p>
+            <a:pPr marL="0" lvl="0" indent="0" rtl="0">
+              <a:spcBef>
+                <a:spcPts val="1600"/>
+              </a:spcBef>
+              <a:spcAft>
+                <a:spcPts val="0"/>
+              </a:spcAft>
+              <a:buNone/>
+            </a:pPr>
+            <a:r>
+              <a:rPr lang="en"/>
+              <a:t>Apache NiFi</a:t>
+            </a:r>
+            <a:endParaRPr/>
+          </a:p>
+          <a:p>
+            <a:pPr marL="0" lvl="0" indent="0" rtl="0">
+              <a:spcBef>
+                <a:spcPts val="1600"/>
+              </a:spcBef>
+              <a:spcAft>
+                <a:spcPts val="1600"/>
+              </a:spcAft>
+              <a:buNone/>
+            </a:pPr>
+            <a:r>
+              <a:rPr lang="en" u="sng">
+                <a:solidFill>
+                  <a:schemeClr val="hlink"/>
+                </a:solidFill>
+                <a:hlinkClick r:id="rId3"/>
+              </a:rPr>
+              <a:t>www.meetup.com/big-data-in-oklahoma-city</a:t>
+            </a:r>
+            <a:endParaRPr u="sng"/>
           </a:p>
         </p:txBody>
       </p:sp>
@@ -14399,7 +14714,7 @@
   <p:cSld>
     <p:spTree>
       <p:nvGrpSpPr>
-        <p:cNvPr id="1" name="Shape 258"/>
+        <p:cNvPr id="1" name="Shape 138"/>
         <p:cNvGrpSpPr/>
         <p:nvPr/>
       </p:nvGrpSpPr>
@@ -14413,7 +14728,7 @@
       </p:grpSpPr>
       <p:sp>
         <p:nvSpPr>
-          <p:cNvPr id="259" name="Shape 259"/>
+          <p:cNvPr id="139" name="Shape 139"/>
           <p:cNvSpPr txBox="1">
             <a:spLocks noGrp="1"/>
           </p:cNvSpPr>
@@ -14447,15 +14762,15 @@
             </a:pPr>
             <a:r>
               <a:rPr lang="en"/>
-              <a:t>Big Data and Data Science in OKC</a:t>
-            </a:r>
-            <a:endParaRPr sz="4800"/>
+              <a:t>OK Game Developers</a:t>
+            </a:r>
+            <a:endParaRPr/>
           </a:p>
         </p:txBody>
       </p:sp>
       <p:sp>
         <p:nvSpPr>
-          <p:cNvPr id="260" name="Shape 260"/>
+          <p:cNvPr id="140" name="Shape 140"/>
           <p:cNvSpPr txBox="1">
             <a:spLocks noGrp="1"/>
           </p:cNvSpPr>
@@ -14488,15 +14803,177 @@
               <a:buNone/>
             </a:pPr>
             <a:r>
+              <a:rPr lang="en" dirty="0"/>
+              <a:t>Thursday </a:t>
+            </a:r>
+            <a:r>
+              <a:rPr lang="en" dirty="0" smtClean="0"/>
+              <a:t>3/1</a:t>
+            </a:r>
+            <a:endParaRPr dirty="0"/>
+          </a:p>
+          <a:p>
+            <a:pPr marL="0" lvl="0" indent="0" rtl="0">
+              <a:spcBef>
+                <a:spcPts val="1600"/>
+              </a:spcBef>
+              <a:spcAft>
+                <a:spcPts val="0"/>
+              </a:spcAft>
+              <a:buNone/>
+            </a:pPr>
+            <a:r>
+              <a:rPr lang="en" dirty="0"/>
+              <a:t>7:00 - 8:00 pm</a:t>
+            </a:r>
+            <a:endParaRPr dirty="0"/>
+          </a:p>
+          <a:p>
+            <a:pPr marL="0" lvl="0" indent="0" rtl="0">
+              <a:spcBef>
+                <a:spcPts val="1600"/>
+              </a:spcBef>
+              <a:spcAft>
+                <a:spcPts val="0"/>
+              </a:spcAft>
+              <a:buNone/>
+            </a:pPr>
+            <a:r>
+              <a:rPr lang="en-US" dirty="0" smtClean="0"/>
+              <a:t>Topic to be Announced</a:t>
+            </a:r>
+            <a:endParaRPr dirty="0"/>
+          </a:p>
+          <a:p>
+            <a:pPr marL="0" lvl="0" indent="0" rtl="0">
+              <a:spcBef>
+                <a:spcPts val="1600"/>
+              </a:spcBef>
+              <a:spcAft>
+                <a:spcPts val="1600"/>
+              </a:spcAft>
+              <a:buNone/>
+            </a:pPr>
+            <a:r>
+              <a:rPr lang="en" u="sng" dirty="0">
+                <a:solidFill>
+                  <a:schemeClr val="hlink"/>
+                </a:solidFill>
+                <a:hlinkClick r:id="rId3"/>
+              </a:rPr>
+              <a:t>www.meetup.com/oklahoma-game-developers</a:t>
+            </a:r>
+            <a:r>
+              <a:rPr lang="en" u="sng" dirty="0"/>
+              <a:t> </a:t>
+            </a:r>
+            <a:endParaRPr u="sng" dirty="0"/>
+          </a:p>
+        </p:txBody>
+      </p:sp>
+    </p:spTree>
+  </p:cSld>
+  <p:clrMapOvr>
+    <a:masterClrMapping/>
+  </p:clrMapOvr>
+  <mc:AlternateContent xmlns:mc="http://schemas.openxmlformats.org/markup-compatibility/2006">
+    <mc:Choice xmlns:p14="http://schemas.microsoft.com/office/powerpoint/2010/main" Requires="p14">
+      <p:transition spd="slow" p14:dur="2000" advTm="10000"/>
+    </mc:Choice>
+    <mc:Fallback>
+      <p:transition spd="slow" advTm="10000"/>
+    </mc:Fallback>
+  </mc:AlternateContent>
+</p:sld>
+</file>
+
+<file path=ppt/slides/slide31.xml><?xml version="1.0" encoding="utf-8"?>
+<p:sld xmlns:a="http://schemas.openxmlformats.org/drawingml/2006/main" xmlns:r="http://schemas.openxmlformats.org/officeDocument/2006/relationships" xmlns:p="http://schemas.openxmlformats.org/presentationml/2006/main">
+  <p:cSld>
+    <p:spTree>
+      <p:nvGrpSpPr>
+        <p:cNvPr id="1" name="Shape 264"/>
+        <p:cNvGrpSpPr/>
+        <p:nvPr/>
+      </p:nvGrpSpPr>
+      <p:grpSpPr>
+        <a:xfrm>
+          <a:off x="0" y="0"/>
+          <a:ext cx="0" cy="0"/>
+          <a:chOff x="0" y="0"/>
+          <a:chExt cx="0" cy="0"/>
+        </a:xfrm>
+      </p:grpSpPr>
+      <p:sp>
+        <p:nvSpPr>
+          <p:cNvPr id="265" name="Shape 265"/>
+          <p:cNvSpPr txBox="1">
+            <a:spLocks noGrp="1"/>
+          </p:cNvSpPr>
+          <p:nvPr>
+            <p:ph type="title"/>
+          </p:nvPr>
+        </p:nvSpPr>
+        <p:spPr>
+          <a:xfrm>
+            <a:off x="311700" y="410000"/>
+            <a:ext cx="8520600" cy="607800"/>
+          </a:xfrm>
+          <a:prstGeom prst="rect">
+            <a:avLst/>
+          </a:prstGeom>
+        </p:spPr>
+        <p:txBody>
+          <a:bodyPr spcFirstLastPara="1" wrap="square" lIns="91425" tIns="91425" rIns="91425" bIns="91425" anchor="t" anchorCtr="0">
+            <a:noAutofit/>
+          </a:bodyPr>
+          <a:lstStyle/>
+          <a:p>
+            <a:pPr marL="0" lvl="0" indent="0" rtl="0">
+              <a:spcBef>
+                <a:spcPts val="0"/>
+              </a:spcBef>
+              <a:spcAft>
+                <a:spcPts val="0"/>
+              </a:spcAft>
+              <a:buNone/>
+            </a:pPr>
+            <a:r>
               <a:rPr lang="en"/>
-              <a:t>Thursday 3/1</a:t>
-            </a:r>
-            <a:endParaRPr/>
-          </a:p>
+              <a:t>Free Code Camp OKC</a:t>
+            </a:r>
+            <a:endParaRPr/>
+          </a:p>
+        </p:txBody>
+      </p:sp>
+      <p:sp>
+        <p:nvSpPr>
+          <p:cNvPr id="266" name="Shape 266"/>
+          <p:cNvSpPr txBox="1">
+            <a:spLocks noGrp="1"/>
+          </p:cNvSpPr>
+          <p:nvPr>
+            <p:ph type="body" idx="1"/>
+          </p:nvPr>
+        </p:nvSpPr>
+        <p:spPr>
+          <a:xfrm>
+            <a:off x="311700" y="1229875"/>
+            <a:ext cx="8520600" cy="3339000"/>
+          </a:xfrm>
+          <a:prstGeom prst="rect">
+            <a:avLst/>
+          </a:prstGeom>
+        </p:spPr>
+        <p:txBody>
+          <a:bodyPr spcFirstLastPara="1" wrap="square" lIns="91425" tIns="91425" rIns="91425" bIns="91425" anchor="t" anchorCtr="0">
+            <a:noAutofit/>
+          </a:bodyPr>
+          <a:lstStyle/>
           <a:p>
             <a:pPr marL="0" lvl="0" indent="0" rtl="0">
               <a:spcBef>
-                <a:spcPts val="1600"/>
+                <a:spcPts val="0"/>
               </a:spcBef>
               <a:spcAft>
                 <a:spcPts val="0"/>
@@ -14505,7 +14982,7 @@
             </a:pPr>
             <a:r>
               <a:rPr lang="en"/>
-              <a:t>11:30 - 1:00</a:t>
+              <a:t>Sunday 3/4</a:t>
             </a:r>
             <a:endParaRPr/>
           </a:p>
@@ -14521,7 +14998,23 @@
             </a:pPr>
             <a:r>
               <a:rPr lang="en"/>
-              <a:t>Apache NiFi</a:t>
+              <a:t>2:00 - 3:00 pm</a:t>
+            </a:r>
+            <a:endParaRPr/>
+          </a:p>
+          <a:p>
+            <a:pPr marL="0" lvl="0" indent="0" rtl="0">
+              <a:spcBef>
+                <a:spcPts val="1600"/>
+              </a:spcBef>
+              <a:spcAft>
+                <a:spcPts val="0"/>
+              </a:spcAft>
+              <a:buNone/>
+            </a:pPr>
+            <a:r>
+              <a:rPr lang="en"/>
+              <a:t>Resume 101: Tips &amp; Tricks with Tara Hadji</a:t>
             </a:r>
             <a:endParaRPr/>
           </a:p>
@@ -14542,9 +15035,373 @@
                 </a:solidFill>
                 <a:hlinkClick r:id="rId3"/>
               </a:rPr>
-              <a:t>www.meetup.com/big-data-in-oklahoma-city</a:t>
+              <a:t>www.meetup.com/freecodecampokc</a:t>
+            </a:r>
+            <a:r>
+              <a:rPr lang="en"/>
+              <a:t> </a:t>
+            </a:r>
+            <a:endParaRPr/>
+          </a:p>
+        </p:txBody>
+      </p:sp>
+    </p:spTree>
+  </p:cSld>
+  <p:clrMapOvr>
+    <a:masterClrMapping/>
+  </p:clrMapOvr>
+  <mc:AlternateContent xmlns:mc="http://schemas.openxmlformats.org/markup-compatibility/2006">
+    <mc:Choice xmlns:p14="http://schemas.microsoft.com/office/powerpoint/2010/main" Requires="p14">
+      <p:transition spd="slow" p14:dur="2000" advTm="10000"/>
+    </mc:Choice>
+    <mc:Fallback>
+      <p:transition spd="slow" advTm="10000"/>
+    </mc:Fallback>
+  </mc:AlternateContent>
+</p:sld>
+</file>
+
+<file path=ppt/slides/slide32.xml><?xml version="1.0" encoding="utf-8"?>
+<p:sld xmlns:a="http://schemas.openxmlformats.org/drawingml/2006/main" xmlns:r="http://schemas.openxmlformats.org/officeDocument/2006/relationships" xmlns:p="http://schemas.openxmlformats.org/presentationml/2006/main">
+  <p:cSld>
+    <p:spTree>
+      <p:nvGrpSpPr>
+        <p:cNvPr id="1" name="Shape 270"/>
+        <p:cNvGrpSpPr/>
+        <p:nvPr/>
+      </p:nvGrpSpPr>
+      <p:grpSpPr>
+        <a:xfrm>
+          <a:off x="0" y="0"/>
+          <a:ext cx="0" cy="0"/>
+          <a:chOff x="0" y="0"/>
+          <a:chExt cx="0" cy="0"/>
+        </a:xfrm>
+      </p:grpSpPr>
+      <p:sp>
+        <p:nvSpPr>
+          <p:cNvPr id="271" name="Shape 271"/>
+          <p:cNvSpPr txBox="1">
+            <a:spLocks noGrp="1"/>
+          </p:cNvSpPr>
+          <p:nvPr>
+            <p:ph type="title"/>
+          </p:nvPr>
+        </p:nvSpPr>
+        <p:spPr>
+          <a:xfrm>
+            <a:off x="311700" y="410000"/>
+            <a:ext cx="8520600" cy="607800"/>
+          </a:xfrm>
+          <a:prstGeom prst="rect">
+            <a:avLst/>
+          </a:prstGeom>
+        </p:spPr>
+        <p:txBody>
+          <a:bodyPr spcFirstLastPara="1" wrap="square" lIns="91425" tIns="91425" rIns="91425" bIns="91425" anchor="t" anchorCtr="0">
+            <a:noAutofit/>
+          </a:bodyPr>
+          <a:lstStyle/>
+          <a:p>
+            <a:pPr marL="0" lvl="0" indent="0" rtl="0">
+              <a:spcBef>
+                <a:spcPts val="0"/>
+              </a:spcBef>
+              <a:spcAft>
+                <a:spcPts val="0"/>
+              </a:spcAft>
+              <a:buNone/>
+            </a:pPr>
+            <a:r>
+              <a:rPr lang="en"/>
+              <a:t>OKC#</a:t>
+            </a:r>
+            <a:endParaRPr/>
+          </a:p>
+        </p:txBody>
+      </p:sp>
+      <p:sp>
+        <p:nvSpPr>
+          <p:cNvPr id="272" name="Shape 272"/>
+          <p:cNvSpPr txBox="1">
+            <a:spLocks noGrp="1"/>
+          </p:cNvSpPr>
+          <p:nvPr>
+            <p:ph type="body" idx="1"/>
+          </p:nvPr>
+        </p:nvSpPr>
+        <p:spPr>
+          <a:xfrm>
+            <a:off x="311700" y="1229875"/>
+            <a:ext cx="8520600" cy="3339000"/>
+          </a:xfrm>
+          <a:prstGeom prst="rect">
+            <a:avLst/>
+          </a:prstGeom>
+        </p:spPr>
+        <p:txBody>
+          <a:bodyPr spcFirstLastPara="1" wrap="square" lIns="91425" tIns="91425" rIns="91425" bIns="91425" anchor="t" anchorCtr="0">
+            <a:noAutofit/>
+          </a:bodyPr>
+          <a:lstStyle/>
+          <a:p>
+            <a:pPr marL="0" marR="0" lvl="0" indent="0" algn="l" rtl="0">
+              <a:lnSpc>
+                <a:spcPct val="115000"/>
+              </a:lnSpc>
+              <a:spcBef>
+                <a:spcPts val="0"/>
+              </a:spcBef>
+              <a:spcAft>
+                <a:spcPts val="0"/>
+              </a:spcAft>
+              <a:buNone/>
+            </a:pPr>
+            <a:r>
+              <a:rPr lang="en"/>
+              <a:t>Monday 3/5</a:t>
+            </a:r>
+            <a:endParaRPr/>
+          </a:p>
+          <a:p>
+            <a:pPr marL="0" marR="0" lvl="0" indent="0" algn="l" rtl="0">
+              <a:lnSpc>
+                <a:spcPct val="115000"/>
+              </a:lnSpc>
+              <a:spcBef>
+                <a:spcPts val="1600"/>
+              </a:spcBef>
+              <a:spcAft>
+                <a:spcPts val="0"/>
+              </a:spcAft>
+              <a:buNone/>
+            </a:pPr>
+            <a:r>
+              <a:rPr lang="en"/>
+              <a:t>11:30 - 12:30</a:t>
+            </a:r>
+            <a:endParaRPr/>
+          </a:p>
+          <a:p>
+            <a:pPr marL="0" marR="0" lvl="0" indent="0" algn="l" rtl="0">
+              <a:lnSpc>
+                <a:spcPct val="115000"/>
+              </a:lnSpc>
+              <a:spcBef>
+                <a:spcPts val="1600"/>
+              </a:spcBef>
+              <a:spcAft>
+                <a:spcPts val="0"/>
+              </a:spcAft>
+              <a:buNone/>
+            </a:pPr>
+            <a:r>
+              <a:rPr lang="en"/>
+              <a:t>Topic to be Announced</a:t>
+            </a:r>
+            <a:endParaRPr/>
+          </a:p>
+          <a:p>
+            <a:pPr marL="0" lvl="0" indent="0" rtl="0">
+              <a:lnSpc>
+                <a:spcPct val="110000"/>
+              </a:lnSpc>
+              <a:spcBef>
+                <a:spcPts val="1600"/>
+              </a:spcBef>
+              <a:spcAft>
+                <a:spcPts val="600"/>
+              </a:spcAft>
+              <a:buNone/>
+            </a:pPr>
+            <a:r>
+              <a:rPr lang="en" u="sng">
+                <a:solidFill>
+                  <a:schemeClr val="hlink"/>
+                </a:solidFill>
+                <a:hlinkClick r:id="rId3"/>
+              </a:rPr>
+              <a:t>www.meetup.com/OKC-Sharp</a:t>
+            </a:r>
+            <a:r>
+              <a:rPr lang="en" u="sng"/>
+              <a:t> </a:t>
             </a:r>
             <a:endParaRPr u="sng"/>
+          </a:p>
+        </p:txBody>
+      </p:sp>
+    </p:spTree>
+  </p:cSld>
+  <p:clrMapOvr>
+    <a:masterClrMapping/>
+  </p:clrMapOvr>
+  <mc:AlternateContent xmlns:mc="http://schemas.openxmlformats.org/markup-compatibility/2006">
+    <mc:Choice xmlns:p14="http://schemas.microsoft.com/office/powerpoint/2010/main" Requires="p14">
+      <p:transition spd="slow" p14:dur="2000" advTm="10000"/>
+    </mc:Choice>
+    <mc:Fallback>
+      <p:transition spd="slow" advTm="10000"/>
+    </mc:Fallback>
+  </mc:AlternateContent>
+</p:sld>
+</file>
+
+<file path=ppt/slides/slide33.xml><?xml version="1.0" encoding="utf-8"?>
+<p:sld xmlns:a="http://schemas.openxmlformats.org/drawingml/2006/main" xmlns:r="http://schemas.openxmlformats.org/officeDocument/2006/relationships" xmlns:p="http://schemas.openxmlformats.org/presentationml/2006/main">
+  <p:cSld>
+    <p:spTree>
+      <p:nvGrpSpPr>
+        <p:cNvPr id="1" name="Shape 276"/>
+        <p:cNvGrpSpPr/>
+        <p:nvPr/>
+      </p:nvGrpSpPr>
+      <p:grpSpPr>
+        <a:xfrm>
+          <a:off x="0" y="0"/>
+          <a:ext cx="0" cy="0"/>
+          <a:chOff x="0" y="0"/>
+          <a:chExt cx="0" cy="0"/>
+        </a:xfrm>
+      </p:grpSpPr>
+      <p:sp>
+        <p:nvSpPr>
+          <p:cNvPr id="277" name="Shape 277"/>
+          <p:cNvSpPr txBox="1">
+            <a:spLocks noGrp="1"/>
+          </p:cNvSpPr>
+          <p:nvPr>
+            <p:ph type="title"/>
+          </p:nvPr>
+        </p:nvSpPr>
+        <p:spPr>
+          <a:xfrm>
+            <a:off x="311700" y="410000"/>
+            <a:ext cx="8520600" cy="607800"/>
+          </a:xfrm>
+          <a:prstGeom prst="rect">
+            <a:avLst/>
+          </a:prstGeom>
+        </p:spPr>
+        <p:txBody>
+          <a:bodyPr spcFirstLastPara="1" wrap="square" lIns="91425" tIns="91425" rIns="91425" bIns="91425" anchor="t" anchorCtr="0">
+            <a:noAutofit/>
+          </a:bodyPr>
+          <a:lstStyle/>
+          <a:p>
+            <a:pPr marL="0" lvl="0" indent="0" rtl="0">
+              <a:spcBef>
+                <a:spcPts val="0"/>
+              </a:spcBef>
+              <a:spcAft>
+                <a:spcPts val="0"/>
+              </a:spcAft>
+              <a:buNone/>
+            </a:pPr>
+            <a:r>
+              <a:rPr lang="en"/>
+              <a:t>OKC Analytics</a:t>
+            </a:r>
+            <a:endParaRPr/>
+          </a:p>
+        </p:txBody>
+      </p:sp>
+      <p:sp>
+        <p:nvSpPr>
+          <p:cNvPr id="278" name="Shape 278"/>
+          <p:cNvSpPr txBox="1">
+            <a:spLocks noGrp="1"/>
+          </p:cNvSpPr>
+          <p:nvPr>
+            <p:ph type="body" idx="1"/>
+          </p:nvPr>
+        </p:nvSpPr>
+        <p:spPr>
+          <a:xfrm>
+            <a:off x="311700" y="1229875"/>
+            <a:ext cx="8520600" cy="3339000"/>
+          </a:xfrm>
+          <a:prstGeom prst="rect">
+            <a:avLst/>
+          </a:prstGeom>
+        </p:spPr>
+        <p:txBody>
+          <a:bodyPr spcFirstLastPara="1" wrap="square" lIns="91425" tIns="91425" rIns="91425" bIns="91425" anchor="t" anchorCtr="0">
+            <a:noAutofit/>
+          </a:bodyPr>
+          <a:lstStyle/>
+          <a:p>
+            <a:pPr marL="0" lvl="0" indent="0" rtl="0">
+              <a:spcBef>
+                <a:spcPts val="0"/>
+              </a:spcBef>
+              <a:spcAft>
+                <a:spcPts val="0"/>
+              </a:spcAft>
+              <a:buNone/>
+            </a:pPr>
+            <a:r>
+              <a:rPr lang="en"/>
+              <a:t>Monday 3/5</a:t>
+            </a:r>
+            <a:endParaRPr/>
+          </a:p>
+          <a:p>
+            <a:pPr marL="0" lvl="0" indent="0" rtl="0">
+              <a:spcBef>
+                <a:spcPts val="1600"/>
+              </a:spcBef>
+              <a:spcAft>
+                <a:spcPts val="0"/>
+              </a:spcAft>
+              <a:buNone/>
+            </a:pPr>
+            <a:r>
+              <a:rPr lang="en"/>
+              <a:t>6:30 - 8:00 pm</a:t>
+            </a:r>
+            <a:endParaRPr/>
+          </a:p>
+          <a:p>
+            <a:pPr marL="0" lvl="0" indent="0" rtl="0">
+              <a:spcBef>
+                <a:spcPts val="1600"/>
+              </a:spcBef>
+              <a:spcAft>
+                <a:spcPts val="0"/>
+              </a:spcAft>
+              <a:buNone/>
+            </a:pPr>
+            <a:r>
+              <a:rPr lang="en"/>
+              <a:t>First Meeting</a:t>
+            </a:r>
+            <a:endParaRPr/>
+          </a:p>
+          <a:p>
+            <a:pPr marL="0" lvl="0" indent="0" rtl="0">
+              <a:spcBef>
+                <a:spcPts val="1600"/>
+              </a:spcBef>
+              <a:spcAft>
+                <a:spcPts val="1600"/>
+              </a:spcAft>
+              <a:buNone/>
+            </a:pPr>
+            <a:r>
+              <a:rPr lang="en" u="sng">
+                <a:solidFill>
+                  <a:schemeClr val="hlink"/>
+                </a:solidFill>
+                <a:hlinkClick r:id="rId3"/>
+              </a:rPr>
+              <a:t>www.meetup.com/okc-analytics</a:t>
+            </a:r>
+            <a:r>
+              <a:rPr lang="en"/>
+              <a:t>  </a:t>
+            </a:r>
+            <a:endParaRPr/>
           </a:p>
         </p:txBody>
       </p:sp>
